--- a/Mockup-EMS.pptx
+++ b/Mockup-EMS.pptx
@@ -5,12 +5,17 @@
     <p:sldMasterId id="2147483648" r:id="rId1"/>
   </p:sldMasterIdLst>
   <p:sldIdLst>
-    <p:sldId id="256" r:id="rId2"/>
-    <p:sldId id="257" r:id="rId3"/>
-    <p:sldId id="258" r:id="rId4"/>
-    <p:sldId id="261" r:id="rId5"/>
-    <p:sldId id="259" r:id="rId6"/>
-    <p:sldId id="260" r:id="rId7"/>
+    <p:sldId id="265" r:id="rId2"/>
+    <p:sldId id="256" r:id="rId3"/>
+    <p:sldId id="257" r:id="rId4"/>
+    <p:sldId id="263" r:id="rId5"/>
+    <p:sldId id="261" r:id="rId6"/>
+    <p:sldId id="259" r:id="rId7"/>
+    <p:sldId id="260" r:id="rId8"/>
+    <p:sldId id="258" r:id="rId9"/>
+    <p:sldId id="264" r:id="rId10"/>
+    <p:sldId id="266" r:id="rId11"/>
+    <p:sldId id="267" r:id="rId12"/>
   </p:sldIdLst>
   <p:sldSz cx="12192000" cy="6858000"/>
   <p:notesSz cx="6858000" cy="9144000"/>
@@ -109,6 +114,11 @@
       </a:defRPr>
     </a:lvl9pPr>
   </p:defaultTextStyle>
+  <p:extLst>
+    <p:ext uri="{EFAFB233-063F-42B5-8137-9DF3F51BA10A}">
+      <p15:sldGuideLst xmlns:p15="http://schemas.microsoft.com/office/powerpoint/2012/main"/>
+    </p:ext>
+  </p:extLst>
 </p:presentation>
 </file>
 
@@ -261,7 +271,7 @@
           <a:p>
             <a:fld id="{A537CBBE-FC53-4292-A130-2E7495C17235}" type="datetimeFigureOut">
               <a:rPr lang="en-CA" smtClean="0"/>
-              <a:t>2021-06-17</a:t>
+              <a:t>2021-06-18</a:t>
             </a:fld>
             <a:endParaRPr lang="en-CA"/>
           </a:p>
@@ -461,7 +471,7 @@
           <a:p>
             <a:fld id="{A537CBBE-FC53-4292-A130-2E7495C17235}" type="datetimeFigureOut">
               <a:rPr lang="en-CA" smtClean="0"/>
-              <a:t>2021-06-17</a:t>
+              <a:t>2021-06-18</a:t>
             </a:fld>
             <a:endParaRPr lang="en-CA"/>
           </a:p>
@@ -671,7 +681,7 @@
           <a:p>
             <a:fld id="{A537CBBE-FC53-4292-A130-2E7495C17235}" type="datetimeFigureOut">
               <a:rPr lang="en-CA" smtClean="0"/>
-              <a:t>2021-06-17</a:t>
+              <a:t>2021-06-18</a:t>
             </a:fld>
             <a:endParaRPr lang="en-CA"/>
           </a:p>
@@ -871,7 +881,7 @@
           <a:p>
             <a:fld id="{A537CBBE-FC53-4292-A130-2E7495C17235}" type="datetimeFigureOut">
               <a:rPr lang="en-CA" smtClean="0"/>
-              <a:t>2021-06-17</a:t>
+              <a:t>2021-06-18</a:t>
             </a:fld>
             <a:endParaRPr lang="en-CA"/>
           </a:p>
@@ -1147,7 +1157,7 @@
           <a:p>
             <a:fld id="{A537CBBE-FC53-4292-A130-2E7495C17235}" type="datetimeFigureOut">
               <a:rPr lang="en-CA" smtClean="0"/>
-              <a:t>2021-06-17</a:t>
+              <a:t>2021-06-18</a:t>
             </a:fld>
             <a:endParaRPr lang="en-CA"/>
           </a:p>
@@ -1415,7 +1425,7 @@
           <a:p>
             <a:fld id="{A537CBBE-FC53-4292-A130-2E7495C17235}" type="datetimeFigureOut">
               <a:rPr lang="en-CA" smtClean="0"/>
-              <a:t>2021-06-17</a:t>
+              <a:t>2021-06-18</a:t>
             </a:fld>
             <a:endParaRPr lang="en-CA"/>
           </a:p>
@@ -1830,7 +1840,7 @@
           <a:p>
             <a:fld id="{A537CBBE-FC53-4292-A130-2E7495C17235}" type="datetimeFigureOut">
               <a:rPr lang="en-CA" smtClean="0"/>
-              <a:t>2021-06-17</a:t>
+              <a:t>2021-06-18</a:t>
             </a:fld>
             <a:endParaRPr lang="en-CA"/>
           </a:p>
@@ -1972,7 +1982,7 @@
           <a:p>
             <a:fld id="{A537CBBE-FC53-4292-A130-2E7495C17235}" type="datetimeFigureOut">
               <a:rPr lang="en-CA" smtClean="0"/>
-              <a:t>2021-06-17</a:t>
+              <a:t>2021-06-18</a:t>
             </a:fld>
             <a:endParaRPr lang="en-CA"/>
           </a:p>
@@ -2085,7 +2095,7 @@
           <a:p>
             <a:fld id="{A537CBBE-FC53-4292-A130-2E7495C17235}" type="datetimeFigureOut">
               <a:rPr lang="en-CA" smtClean="0"/>
-              <a:t>2021-06-17</a:t>
+              <a:t>2021-06-18</a:t>
             </a:fld>
             <a:endParaRPr lang="en-CA"/>
           </a:p>
@@ -2398,7 +2408,7 @@
           <a:p>
             <a:fld id="{A537CBBE-FC53-4292-A130-2E7495C17235}" type="datetimeFigureOut">
               <a:rPr lang="en-CA" smtClean="0"/>
-              <a:t>2021-06-17</a:t>
+              <a:t>2021-06-18</a:t>
             </a:fld>
             <a:endParaRPr lang="en-CA"/>
           </a:p>
@@ -2687,7 +2697,7 @@
           <a:p>
             <a:fld id="{A537CBBE-FC53-4292-A130-2E7495C17235}" type="datetimeFigureOut">
               <a:rPr lang="en-CA" smtClean="0"/>
-              <a:t>2021-06-17</a:t>
+              <a:t>2021-06-18</a:t>
             </a:fld>
             <a:endParaRPr lang="en-CA"/>
           </a:p>
@@ -2930,7 +2940,7 @@
           <a:p>
             <a:fld id="{A537CBBE-FC53-4292-A130-2E7495C17235}" type="datetimeFigureOut">
               <a:rPr lang="en-CA" smtClean="0"/>
-              <a:t>2021-06-17</a:t>
+              <a:t>2021-06-18</a:t>
             </a:fld>
             <a:endParaRPr lang="en-CA"/>
           </a:p>
@@ -3349,299 +3359,227 @@
       </p:grpSpPr>
       <p:sp>
         <p:nvSpPr>
-          <p:cNvPr id="4" name="TextBox 3">
-            <a:extLst>
-              <a:ext uri="{FF2B5EF4-FFF2-40B4-BE49-F238E27FC236}">
-                <a16:creationId xmlns:a16="http://schemas.microsoft.com/office/drawing/2014/main" id="{7035BD65-FA58-4E8D-881C-5BC072ACF5DE}"/>
-              </a:ext>
-            </a:extLst>
-          </p:cNvPr>
-          <p:cNvSpPr txBox="1"/>
-          <p:nvPr/>
-        </p:nvSpPr>
-        <p:spPr>
-          <a:xfrm>
-            <a:off x="1235528" y="1886926"/>
-            <a:ext cx="9720943" cy="369332"/>
-          </a:xfrm>
-          <a:prstGeom prst="rect">
-            <a:avLst/>
-          </a:prstGeom>
-          <a:noFill/>
-        </p:spPr>
-        <p:txBody>
-          <a:bodyPr wrap="square" rtlCol="0">
-            <a:spAutoFit/>
-          </a:bodyPr>
+          <p:cNvPr id="2" name="Title 1">
+            <a:extLst>
+              <a:ext uri="{FF2B5EF4-FFF2-40B4-BE49-F238E27FC236}">
+                <a16:creationId xmlns:a16="http://schemas.microsoft.com/office/drawing/2014/main" id="{56848BF3-F5AE-4DD4-A7E6-49B932CABFC5}"/>
+              </a:ext>
+            </a:extLst>
+          </p:cNvPr>
+          <p:cNvSpPr>
+            <a:spLocks noGrp="1"/>
+          </p:cNvSpPr>
+          <p:nvPr>
+            <p:ph type="title"/>
+          </p:nvPr>
+        </p:nvSpPr>
+        <p:spPr/>
+        <p:txBody>
+          <a:bodyPr/>
           <a:lstStyle/>
           <a:p>
             <a:r>
               <a:rPr lang="en-CA" dirty="0"/>
-              <a:t>Select area</a:t>
-            </a:r>
-            <a:r>
-              <a:rPr lang="es-MX" dirty="0"/>
-              <a:t>:</a:t>
-            </a:r>
+              <a:t>Notes</a:t>
+            </a:r>
+          </a:p>
+        </p:txBody>
+      </p:sp>
+      <p:sp>
+        <p:nvSpPr>
+          <p:cNvPr id="3" name="Content Placeholder 2">
+            <a:extLst>
+              <a:ext uri="{FF2B5EF4-FFF2-40B4-BE49-F238E27FC236}">
+                <a16:creationId xmlns:a16="http://schemas.microsoft.com/office/drawing/2014/main" id="{D0BEC69D-703A-42BB-BCC8-FD8641368BF2}"/>
+              </a:ext>
+            </a:extLst>
+          </p:cNvPr>
+          <p:cNvSpPr>
+            <a:spLocks noGrp="1"/>
+          </p:cNvSpPr>
+          <p:nvPr>
+            <p:ph idx="1"/>
+          </p:nvPr>
+        </p:nvSpPr>
+        <p:spPr/>
+        <p:txBody>
+          <a:bodyPr/>
+          <a:lstStyle/>
+          <a:p>
+            <a:r>
+              <a:rPr lang="en-CA" dirty="0"/>
+              <a:t>Finish the views Create and Edit for Orders</a:t>
+            </a:r>
+          </a:p>
+          <a:p>
+            <a:r>
+              <a:rPr lang="en-CA" dirty="0"/>
+              <a:t>Link the bottoms</a:t>
+            </a:r>
+          </a:p>
+          <a:p>
             <a:endParaRPr lang="en-CA" dirty="0"/>
           </a:p>
-        </p:txBody>
-      </p:sp>
-      <p:sp>
-        <p:nvSpPr>
-          <p:cNvPr id="5" name="TextBox 4">
-            <a:extLst>
-              <a:ext uri="{FF2B5EF4-FFF2-40B4-BE49-F238E27FC236}">
-                <a16:creationId xmlns:a16="http://schemas.microsoft.com/office/drawing/2014/main" id="{4B2EF5A1-FF35-4903-A2E0-5159F804CC6D}"/>
-              </a:ext>
-            </a:extLst>
-          </p:cNvPr>
-          <p:cNvSpPr txBox="1"/>
-          <p:nvPr/>
-        </p:nvSpPr>
-        <p:spPr>
-          <a:xfrm>
-            <a:off x="1235528" y="2973779"/>
-            <a:ext cx="1883229" cy="369332"/>
-          </a:xfrm>
-          <a:prstGeom prst="rect">
-            <a:avLst/>
-          </a:prstGeom>
-        </p:spPr>
-        <p:style>
-          <a:lnRef idx="0">
-            <a:schemeClr val="accent6"/>
-          </a:lnRef>
-          <a:fillRef idx="3">
-            <a:schemeClr val="accent6"/>
-          </a:fillRef>
-          <a:effectRef idx="3">
-            <a:schemeClr val="accent6"/>
-          </a:effectRef>
-          <a:fontRef idx="minor">
-            <a:schemeClr val="lt1"/>
-          </a:fontRef>
-        </p:style>
-        <p:txBody>
-          <a:bodyPr wrap="square" rtlCol="0">
-            <a:spAutoFit/>
-          </a:bodyPr>
-          <a:lstStyle/>
-          <a:p>
-            <a:r>
-              <a:rPr lang="es-MX" dirty="0">
-                <a:solidFill>
-                  <a:schemeClr val="bg1"/>
-                </a:solidFill>
-                <a:hlinkClick r:id="rId2" action="ppaction://hlinksldjump">
-                  <a:extLst>
-                    <a:ext uri="{A12FA001-AC4F-418D-AE19-62706E023703}">
-                      <ahyp:hlinkClr xmlns:ahyp="http://schemas.microsoft.com/office/drawing/2018/hyperlinkcolor" val="tx"/>
-                    </a:ext>
-                  </a:extLst>
-                </a:hlinkClick>
-              </a:rPr>
-              <a:t>Sales</a:t>
-            </a:r>
-            <a:endParaRPr lang="en-CA" dirty="0">
-              <a:solidFill>
-                <a:schemeClr val="bg1"/>
-              </a:solidFill>
-            </a:endParaRPr>
-          </a:p>
-        </p:txBody>
-      </p:sp>
-      <p:sp>
-        <p:nvSpPr>
-          <p:cNvPr id="6" name="TextBox 5">
-            <a:extLst>
-              <a:ext uri="{FF2B5EF4-FFF2-40B4-BE49-F238E27FC236}">
-                <a16:creationId xmlns:a16="http://schemas.microsoft.com/office/drawing/2014/main" id="{ACACC068-EEED-4E62-A406-742B8E13C98F}"/>
-              </a:ext>
-            </a:extLst>
-          </p:cNvPr>
-          <p:cNvSpPr txBox="1"/>
-          <p:nvPr/>
-        </p:nvSpPr>
-        <p:spPr>
-          <a:xfrm>
-            <a:off x="3501438" y="2990013"/>
-            <a:ext cx="1883229" cy="369332"/>
-          </a:xfrm>
-          <a:prstGeom prst="rect">
-            <a:avLst/>
-          </a:prstGeom>
-        </p:spPr>
-        <p:style>
-          <a:lnRef idx="0">
-            <a:schemeClr val="accent6"/>
-          </a:lnRef>
-          <a:fillRef idx="3">
-            <a:schemeClr val="accent6"/>
-          </a:fillRef>
-          <a:effectRef idx="3">
-            <a:schemeClr val="accent6"/>
-          </a:effectRef>
-          <a:fontRef idx="minor">
-            <a:schemeClr val="lt1"/>
-          </a:fontRef>
-        </p:style>
-        <p:txBody>
-          <a:bodyPr wrap="square" rtlCol="0">
-            <a:spAutoFit/>
-          </a:bodyPr>
-          <a:lstStyle/>
-          <a:p>
-            <a:r>
-              <a:rPr lang="es-MX" dirty="0" err="1"/>
-              <a:t>Shipping</a:t>
-            </a:r>
+          <a:p>
             <a:endParaRPr lang="en-CA" dirty="0"/>
-          </a:p>
-        </p:txBody>
-      </p:sp>
-      <p:sp>
-        <p:nvSpPr>
-          <p:cNvPr id="7" name="TextBox 6">
-            <a:extLst>
-              <a:ext uri="{FF2B5EF4-FFF2-40B4-BE49-F238E27FC236}">
-                <a16:creationId xmlns:a16="http://schemas.microsoft.com/office/drawing/2014/main" id="{E1018013-3DB3-4F57-8D24-0E08FF7EE14F}"/>
-              </a:ext>
-            </a:extLst>
-          </p:cNvPr>
-          <p:cNvSpPr txBox="1"/>
-          <p:nvPr/>
-        </p:nvSpPr>
-        <p:spPr>
-          <a:xfrm>
-            <a:off x="6095999" y="2973779"/>
-            <a:ext cx="1883229" cy="369332"/>
-          </a:xfrm>
-          <a:prstGeom prst="rect">
-            <a:avLst/>
-          </a:prstGeom>
-        </p:spPr>
-        <p:style>
-          <a:lnRef idx="0">
-            <a:schemeClr val="accent6"/>
-          </a:lnRef>
-          <a:fillRef idx="3">
-            <a:schemeClr val="accent6"/>
-          </a:fillRef>
-          <a:effectRef idx="3">
-            <a:schemeClr val="accent6"/>
-          </a:effectRef>
-          <a:fontRef idx="minor">
-            <a:schemeClr val="lt1"/>
-          </a:fontRef>
-        </p:style>
-        <p:txBody>
-          <a:bodyPr wrap="square" rtlCol="0">
-            <a:spAutoFit/>
-          </a:bodyPr>
-          <a:lstStyle/>
-          <a:p>
-            <a:r>
-              <a:rPr lang="es-MX" dirty="0" err="1"/>
-              <a:t>Production</a:t>
-            </a:r>
-            <a:endParaRPr lang="en-CA" dirty="0"/>
-          </a:p>
-        </p:txBody>
-      </p:sp>
-      <p:sp>
-        <p:nvSpPr>
-          <p:cNvPr id="8" name="TextBox 7">
-            <a:extLst>
-              <a:ext uri="{FF2B5EF4-FFF2-40B4-BE49-F238E27FC236}">
-                <a16:creationId xmlns:a16="http://schemas.microsoft.com/office/drawing/2014/main" id="{317C8B66-B139-4451-A93C-404591C98DE1}"/>
-              </a:ext>
-            </a:extLst>
-          </p:cNvPr>
-          <p:cNvSpPr txBox="1"/>
-          <p:nvPr/>
-        </p:nvSpPr>
-        <p:spPr>
-          <a:xfrm>
-            <a:off x="8690560" y="2973779"/>
-            <a:ext cx="1883229" cy="369332"/>
-          </a:xfrm>
-          <a:prstGeom prst="rect">
-            <a:avLst/>
-          </a:prstGeom>
-        </p:spPr>
-        <p:style>
-          <a:lnRef idx="0">
-            <a:schemeClr val="accent6"/>
-          </a:lnRef>
-          <a:fillRef idx="3">
-            <a:schemeClr val="accent6"/>
-          </a:fillRef>
-          <a:effectRef idx="3">
-            <a:schemeClr val="accent6"/>
-          </a:effectRef>
-          <a:fontRef idx="minor">
-            <a:schemeClr val="lt1"/>
-          </a:fontRef>
-        </p:style>
-        <p:txBody>
-          <a:bodyPr wrap="square" rtlCol="0">
-            <a:spAutoFit/>
-          </a:bodyPr>
-          <a:lstStyle/>
-          <a:p>
-            <a:r>
-              <a:rPr lang="es-MX" dirty="0" err="1"/>
-              <a:t>Cooler</a:t>
-            </a:r>
-            <a:endParaRPr lang="en-CA" dirty="0"/>
-          </a:p>
-        </p:txBody>
-      </p:sp>
-      <p:sp>
-        <p:nvSpPr>
-          <p:cNvPr id="9" name="TextBox 8">
-            <a:extLst>
-              <a:ext uri="{FF2B5EF4-FFF2-40B4-BE49-F238E27FC236}">
-                <a16:creationId xmlns:a16="http://schemas.microsoft.com/office/drawing/2014/main" id="{367B81C7-2C53-4F08-9ED5-316178BE7407}"/>
-              </a:ext>
-            </a:extLst>
-          </p:cNvPr>
-          <p:cNvSpPr txBox="1"/>
-          <p:nvPr/>
-        </p:nvSpPr>
-        <p:spPr>
-          <a:xfrm>
-            <a:off x="1235528" y="706182"/>
-            <a:ext cx="9720943" cy="523220"/>
-          </a:xfrm>
-          <a:prstGeom prst="rect">
-            <a:avLst/>
-          </a:prstGeom>
-          <a:noFill/>
-        </p:spPr>
-        <p:txBody>
-          <a:bodyPr wrap="square" rtlCol="0">
-            <a:spAutoFit/>
-          </a:bodyPr>
-          <a:lstStyle/>
-          <a:p>
-            <a:r>
-              <a:rPr lang="es-MX" sz="2800" b="1" dirty="0" err="1"/>
-              <a:t>Welcome</a:t>
-            </a:r>
-            <a:r>
-              <a:rPr lang="es-MX" sz="2800" b="1" dirty="0"/>
-              <a:t> Miguel !</a:t>
-            </a:r>
-            <a:endParaRPr lang="en-CA" sz="2800" b="1" dirty="0"/>
           </a:p>
         </p:txBody>
       </p:sp>
     </p:spTree>
     <p:extLst>
       <p:ext uri="{BB962C8B-B14F-4D97-AF65-F5344CB8AC3E}">
-        <p14:creationId xmlns:p14="http://schemas.microsoft.com/office/powerpoint/2010/main" val="666483865"/>
+        <p14:creationId xmlns:p14="http://schemas.microsoft.com/office/powerpoint/2010/main" val="1676314773"/>
+      </p:ext>
+    </p:extLst>
+  </p:cSld>
+  <p:clrMapOvr>
+    <a:masterClrMapping/>
+  </p:clrMapOvr>
+</p:sld>
+</file>
+
+<file path=ppt/slides/slide10.xml><?xml version="1.0" encoding="utf-8"?>
+<p:sld xmlns:a="http://schemas.openxmlformats.org/drawingml/2006/main" xmlns:r="http://schemas.openxmlformats.org/officeDocument/2006/relationships" xmlns:p="http://schemas.openxmlformats.org/presentationml/2006/main">
+  <p:cSld>
+    <p:spTree>
+      <p:nvGrpSpPr>
+        <p:cNvPr id="1" name=""/>
+        <p:cNvGrpSpPr/>
+        <p:nvPr/>
+      </p:nvGrpSpPr>
+      <p:grpSpPr>
+        <a:xfrm>
+          <a:off x="0" y="0"/>
+          <a:ext cx="0" cy="0"/>
+          <a:chOff x="0" y="0"/>
+          <a:chExt cx="0" cy="0"/>
+        </a:xfrm>
+      </p:grpSpPr>
+      <p:sp>
+        <p:nvSpPr>
+          <p:cNvPr id="2" name="Title 1">
+            <a:extLst>
+              <a:ext uri="{FF2B5EF4-FFF2-40B4-BE49-F238E27FC236}">
+                <a16:creationId xmlns:a16="http://schemas.microsoft.com/office/drawing/2014/main" id="{488AF2B2-930E-4457-AB92-0C58A80BB45E}"/>
+              </a:ext>
+            </a:extLst>
+          </p:cNvPr>
+          <p:cNvSpPr>
+            <a:spLocks noGrp="1"/>
+          </p:cNvSpPr>
+          <p:nvPr>
+            <p:ph type="title"/>
+          </p:nvPr>
+        </p:nvSpPr>
+        <p:spPr/>
+        <p:txBody>
+          <a:bodyPr/>
+          <a:lstStyle/>
+          <a:p>
+            <a:r>
+              <a:rPr lang="en-CA" dirty="0"/>
+              <a:t>Create Order</a:t>
+            </a:r>
+          </a:p>
+        </p:txBody>
+      </p:sp>
+    </p:spTree>
+    <p:extLst>
+      <p:ext uri="{BB962C8B-B14F-4D97-AF65-F5344CB8AC3E}">
+        <p14:creationId xmlns:p14="http://schemas.microsoft.com/office/powerpoint/2010/main" val="897018004"/>
+      </p:ext>
+    </p:extLst>
+  </p:cSld>
+  <p:clrMapOvr>
+    <a:masterClrMapping/>
+  </p:clrMapOvr>
+</p:sld>
+</file>
+
+<file path=ppt/slides/slide11.xml><?xml version="1.0" encoding="utf-8"?>
+<p:sld xmlns:a="http://schemas.openxmlformats.org/drawingml/2006/main" xmlns:r="http://schemas.openxmlformats.org/officeDocument/2006/relationships" xmlns:p="http://schemas.openxmlformats.org/presentationml/2006/main">
+  <p:cSld>
+    <p:spTree>
+      <p:nvGrpSpPr>
+        <p:cNvPr id="1" name=""/>
+        <p:cNvGrpSpPr/>
+        <p:nvPr/>
+      </p:nvGrpSpPr>
+      <p:grpSpPr>
+        <a:xfrm>
+          <a:off x="0" y="0"/>
+          <a:ext cx="0" cy="0"/>
+          <a:chOff x="0" y="0"/>
+          <a:chExt cx="0" cy="0"/>
+        </a:xfrm>
+      </p:grpSpPr>
+      <p:sp>
+        <p:nvSpPr>
+          <p:cNvPr id="2" name="Title 1">
+            <a:extLst>
+              <a:ext uri="{FF2B5EF4-FFF2-40B4-BE49-F238E27FC236}">
+                <a16:creationId xmlns:a16="http://schemas.microsoft.com/office/drawing/2014/main" id="{E2F61C94-F5AE-4A9A-99F8-E43F4A9B333B}"/>
+              </a:ext>
+            </a:extLst>
+          </p:cNvPr>
+          <p:cNvSpPr>
+            <a:spLocks noGrp="1"/>
+          </p:cNvSpPr>
+          <p:nvPr>
+            <p:ph type="title"/>
+          </p:nvPr>
+        </p:nvSpPr>
+        <p:spPr/>
+        <p:txBody>
+          <a:bodyPr/>
+          <a:lstStyle/>
+          <a:p>
+            <a:r>
+              <a:rPr lang="en-CA" dirty="0" err="1"/>
+              <a:t>i</a:t>
+            </a:r>
+            <a:endParaRPr lang="en-CA" dirty="0"/>
+          </a:p>
+        </p:txBody>
+      </p:sp>
+      <p:sp>
+        <p:nvSpPr>
+          <p:cNvPr id="3" name="Content Placeholder 2">
+            <a:extLst>
+              <a:ext uri="{FF2B5EF4-FFF2-40B4-BE49-F238E27FC236}">
+                <a16:creationId xmlns:a16="http://schemas.microsoft.com/office/drawing/2014/main" id="{A840C8D5-F8C9-4D55-A3DC-81B6704FA183}"/>
+              </a:ext>
+            </a:extLst>
+          </p:cNvPr>
+          <p:cNvSpPr>
+            <a:spLocks noGrp="1"/>
+          </p:cNvSpPr>
+          <p:nvPr>
+            <p:ph idx="1"/>
+          </p:nvPr>
+        </p:nvSpPr>
+        <p:spPr/>
+        <p:txBody>
+          <a:bodyPr/>
+          <a:lstStyle/>
+          <a:p>
+            <a:r>
+              <a:rPr lang="en-CA" dirty="0"/>
+              <a:t>Date started: 2021- 06-18</a:t>
+            </a:r>
+          </a:p>
+          <a:p>
+            <a:r>
+              <a:rPr lang="en-CA" dirty="0"/>
+              <a:t>In process</a:t>
+            </a:r>
+          </a:p>
+        </p:txBody>
+      </p:sp>
+    </p:spTree>
+    <p:extLst>
+      <p:ext uri="{BB962C8B-B14F-4D97-AF65-F5344CB8AC3E}">
+        <p14:creationId xmlns:p14="http://schemas.microsoft.com/office/powerpoint/2010/main" val="1261363650"/>
       </p:ext>
     </p:extLst>
   </p:cSld>
@@ -3670,39 +3608,10 @@
       </p:grpSpPr>
       <p:sp>
         <p:nvSpPr>
-          <p:cNvPr id="2" name="Title 1">
-            <a:extLst>
-              <a:ext uri="{FF2B5EF4-FFF2-40B4-BE49-F238E27FC236}">
-                <a16:creationId xmlns:a16="http://schemas.microsoft.com/office/drawing/2014/main" id="{4C5ACD5D-A004-49AB-8DC4-B021A4A2568C}"/>
-              </a:ext>
-            </a:extLst>
-          </p:cNvPr>
-          <p:cNvSpPr>
-            <a:spLocks noGrp="1"/>
-          </p:cNvSpPr>
-          <p:nvPr>
-            <p:ph type="title"/>
-          </p:nvPr>
-        </p:nvSpPr>
-        <p:spPr/>
-        <p:txBody>
-          <a:bodyPr/>
-          <a:lstStyle/>
-          <a:p>
-            <a:r>
-              <a:rPr lang="es-MX" dirty="0"/>
-              <a:t>SALES</a:t>
-            </a:r>
-            <a:endParaRPr lang="en-CA" dirty="0"/>
-          </a:p>
-        </p:txBody>
-      </p:sp>
-      <p:sp>
-        <p:nvSpPr>
           <p:cNvPr id="4" name="TextBox 3">
             <a:extLst>
               <a:ext uri="{FF2B5EF4-FFF2-40B4-BE49-F238E27FC236}">
-                <a16:creationId xmlns:a16="http://schemas.microsoft.com/office/drawing/2014/main" id="{D0B9AB03-36C4-4608-85F1-A45F9066E5F5}"/>
+                <a16:creationId xmlns:a16="http://schemas.microsoft.com/office/drawing/2014/main" id="{7035BD65-FA58-4E8D-881C-5BC072ACF5DE}"/>
               </a:ext>
             </a:extLst>
           </p:cNvPr>
@@ -3711,7 +3620,47 @@
         </p:nvSpPr>
         <p:spPr>
           <a:xfrm>
-            <a:off x="1164771" y="2100943"/>
+            <a:off x="1235528" y="1886926"/>
+            <a:ext cx="9720943" cy="369332"/>
+          </a:xfrm>
+          <a:prstGeom prst="rect">
+            <a:avLst/>
+          </a:prstGeom>
+          <a:noFill/>
+        </p:spPr>
+        <p:txBody>
+          <a:bodyPr wrap="square" rtlCol="0">
+            <a:spAutoFit/>
+          </a:bodyPr>
+          <a:lstStyle/>
+          <a:p>
+            <a:r>
+              <a:rPr lang="en-CA" dirty="0"/>
+              <a:t>Select area</a:t>
+            </a:r>
+            <a:r>
+              <a:rPr lang="es-MX" dirty="0"/>
+              <a:t>:</a:t>
+            </a:r>
+            <a:endParaRPr lang="en-CA" dirty="0"/>
+          </a:p>
+        </p:txBody>
+      </p:sp>
+      <p:sp>
+        <p:nvSpPr>
+          <p:cNvPr id="5" name="TextBox 4">
+            <a:extLst>
+              <a:ext uri="{FF2B5EF4-FFF2-40B4-BE49-F238E27FC236}">
+                <a16:creationId xmlns:a16="http://schemas.microsoft.com/office/drawing/2014/main" id="{4B2EF5A1-FF35-4903-A2E0-5159F804CC6D}"/>
+              </a:ext>
+            </a:extLst>
+          </p:cNvPr>
+          <p:cNvSpPr txBox="1"/>
+          <p:nvPr/>
+        </p:nvSpPr>
+        <p:spPr>
+          <a:xfrm>
+            <a:off x="1235528" y="2973779"/>
             <a:ext cx="1883229" cy="369332"/>
           </a:xfrm>
           <a:prstGeom prst="rect">
@@ -3739,7 +3688,7 @@
           <a:lstStyle/>
           <a:p>
             <a:r>
-              <a:rPr lang="es-MX" b="1" dirty="0" err="1">
+              <a:rPr lang="es-MX" dirty="0">
                 <a:solidFill>
                   <a:schemeClr val="bg1"/>
                 </a:solidFill>
@@ -3751,9 +3700,9 @@
                   </a:extLst>
                 </a:hlinkClick>
               </a:rPr>
-              <a:t>Customers</a:t>
-            </a:r>
-            <a:endParaRPr lang="en-CA" b="1" dirty="0">
+              <a:t>Sales</a:t>
+            </a:r>
+            <a:endParaRPr lang="en-CA" dirty="0">
               <a:solidFill>
                 <a:schemeClr val="bg1"/>
               </a:solidFill>
@@ -3763,10 +3712,10 @@
       </p:sp>
       <p:sp>
         <p:nvSpPr>
-          <p:cNvPr id="5" name="TextBox 4">
-            <a:extLst>
-              <a:ext uri="{FF2B5EF4-FFF2-40B4-BE49-F238E27FC236}">
-                <a16:creationId xmlns:a16="http://schemas.microsoft.com/office/drawing/2014/main" id="{7C5215BC-83B5-43CA-96AA-F4CE51B674C0}"/>
+          <p:cNvPr id="6" name="TextBox 5">
+            <a:extLst>
+              <a:ext uri="{FF2B5EF4-FFF2-40B4-BE49-F238E27FC236}">
+                <a16:creationId xmlns:a16="http://schemas.microsoft.com/office/drawing/2014/main" id="{ACACC068-EEED-4E62-A406-742B8E13C98F}"/>
               </a:ext>
             </a:extLst>
           </p:cNvPr>
@@ -3775,7 +3724,7 @@
         </p:nvSpPr>
         <p:spPr>
           <a:xfrm>
-            <a:off x="4451069" y="2100943"/>
+            <a:off x="3501438" y="2990013"/>
             <a:ext cx="1883229" cy="369332"/>
           </a:xfrm>
           <a:prstGeom prst="rect">
@@ -3804,16 +3753,154 @@
           <a:p>
             <a:r>
               <a:rPr lang="es-MX" dirty="0" err="1"/>
-              <a:t>Orders</a:t>
+              <a:t>Shipping</a:t>
             </a:r>
             <a:endParaRPr lang="en-CA" dirty="0"/>
+          </a:p>
+        </p:txBody>
+      </p:sp>
+      <p:sp>
+        <p:nvSpPr>
+          <p:cNvPr id="7" name="TextBox 6">
+            <a:extLst>
+              <a:ext uri="{FF2B5EF4-FFF2-40B4-BE49-F238E27FC236}">
+                <a16:creationId xmlns:a16="http://schemas.microsoft.com/office/drawing/2014/main" id="{E1018013-3DB3-4F57-8D24-0E08FF7EE14F}"/>
+              </a:ext>
+            </a:extLst>
+          </p:cNvPr>
+          <p:cNvSpPr txBox="1"/>
+          <p:nvPr/>
+        </p:nvSpPr>
+        <p:spPr>
+          <a:xfrm>
+            <a:off x="6095999" y="2973779"/>
+            <a:ext cx="1883229" cy="369332"/>
+          </a:xfrm>
+          <a:prstGeom prst="rect">
+            <a:avLst/>
+          </a:prstGeom>
+        </p:spPr>
+        <p:style>
+          <a:lnRef idx="0">
+            <a:schemeClr val="accent6"/>
+          </a:lnRef>
+          <a:fillRef idx="3">
+            <a:schemeClr val="accent6"/>
+          </a:fillRef>
+          <a:effectRef idx="3">
+            <a:schemeClr val="accent6"/>
+          </a:effectRef>
+          <a:fontRef idx="minor">
+            <a:schemeClr val="lt1"/>
+          </a:fontRef>
+        </p:style>
+        <p:txBody>
+          <a:bodyPr wrap="square" rtlCol="0">
+            <a:spAutoFit/>
+          </a:bodyPr>
+          <a:lstStyle/>
+          <a:p>
+            <a:r>
+              <a:rPr lang="es-MX" dirty="0" err="1"/>
+              <a:t>Production</a:t>
+            </a:r>
+            <a:endParaRPr lang="en-CA" dirty="0"/>
+          </a:p>
+        </p:txBody>
+      </p:sp>
+      <p:sp>
+        <p:nvSpPr>
+          <p:cNvPr id="8" name="TextBox 7">
+            <a:extLst>
+              <a:ext uri="{FF2B5EF4-FFF2-40B4-BE49-F238E27FC236}">
+                <a16:creationId xmlns:a16="http://schemas.microsoft.com/office/drawing/2014/main" id="{317C8B66-B139-4451-A93C-404591C98DE1}"/>
+              </a:ext>
+            </a:extLst>
+          </p:cNvPr>
+          <p:cNvSpPr txBox="1"/>
+          <p:nvPr/>
+        </p:nvSpPr>
+        <p:spPr>
+          <a:xfrm>
+            <a:off x="8690560" y="2973779"/>
+            <a:ext cx="1883229" cy="369332"/>
+          </a:xfrm>
+          <a:prstGeom prst="rect">
+            <a:avLst/>
+          </a:prstGeom>
+        </p:spPr>
+        <p:style>
+          <a:lnRef idx="0">
+            <a:schemeClr val="accent6"/>
+          </a:lnRef>
+          <a:fillRef idx="3">
+            <a:schemeClr val="accent6"/>
+          </a:fillRef>
+          <a:effectRef idx="3">
+            <a:schemeClr val="accent6"/>
+          </a:effectRef>
+          <a:fontRef idx="minor">
+            <a:schemeClr val="lt1"/>
+          </a:fontRef>
+        </p:style>
+        <p:txBody>
+          <a:bodyPr wrap="square" rtlCol="0">
+            <a:spAutoFit/>
+          </a:bodyPr>
+          <a:lstStyle/>
+          <a:p>
+            <a:r>
+              <a:rPr lang="es-MX" dirty="0" err="1"/>
+              <a:t>Cooler</a:t>
+            </a:r>
+            <a:endParaRPr lang="en-CA" dirty="0"/>
+          </a:p>
+        </p:txBody>
+      </p:sp>
+      <p:sp>
+        <p:nvSpPr>
+          <p:cNvPr id="9" name="TextBox 8">
+            <a:extLst>
+              <a:ext uri="{FF2B5EF4-FFF2-40B4-BE49-F238E27FC236}">
+                <a16:creationId xmlns:a16="http://schemas.microsoft.com/office/drawing/2014/main" id="{367B81C7-2C53-4F08-9ED5-316178BE7407}"/>
+              </a:ext>
+            </a:extLst>
+          </p:cNvPr>
+          <p:cNvSpPr txBox="1"/>
+          <p:nvPr/>
+        </p:nvSpPr>
+        <p:spPr>
+          <a:xfrm>
+            <a:off x="1235528" y="706182"/>
+            <a:ext cx="9720943" cy="523220"/>
+          </a:xfrm>
+          <a:prstGeom prst="rect">
+            <a:avLst/>
+          </a:prstGeom>
+          <a:noFill/>
+        </p:spPr>
+        <p:txBody>
+          <a:bodyPr wrap="square" rtlCol="0">
+            <a:spAutoFit/>
+          </a:bodyPr>
+          <a:lstStyle/>
+          <a:p>
+            <a:r>
+              <a:rPr lang="es-MX" sz="2800" b="1" dirty="0" err="1"/>
+              <a:t>Welcome</a:t>
+            </a:r>
+            <a:r>
+              <a:rPr lang="es-MX" sz="2800" b="1" dirty="0"/>
+              <a:t> Miguel !</a:t>
+            </a:r>
+            <a:endParaRPr lang="en-CA" sz="2800" b="1" dirty="0"/>
           </a:p>
         </p:txBody>
       </p:sp>
     </p:spTree>
     <p:extLst>
       <p:ext uri="{BB962C8B-B14F-4D97-AF65-F5344CB8AC3E}">
-        <p14:creationId xmlns:p14="http://schemas.microsoft.com/office/powerpoint/2010/main" val="1832696636"/>
+        <p14:creationId xmlns:p14="http://schemas.microsoft.com/office/powerpoint/2010/main" val="666483865"/>
       </p:ext>
     </p:extLst>
   </p:cSld>
@@ -3842,6 +3929,252 @@
       </p:grpSpPr>
       <p:sp>
         <p:nvSpPr>
+          <p:cNvPr id="2" name="Title 1">
+            <a:extLst>
+              <a:ext uri="{FF2B5EF4-FFF2-40B4-BE49-F238E27FC236}">
+                <a16:creationId xmlns:a16="http://schemas.microsoft.com/office/drawing/2014/main" id="{4C5ACD5D-A004-49AB-8DC4-B021A4A2568C}"/>
+              </a:ext>
+            </a:extLst>
+          </p:cNvPr>
+          <p:cNvSpPr>
+            <a:spLocks noGrp="1"/>
+          </p:cNvSpPr>
+          <p:nvPr>
+            <p:ph type="title"/>
+          </p:nvPr>
+        </p:nvSpPr>
+        <p:spPr/>
+        <p:txBody>
+          <a:bodyPr/>
+          <a:lstStyle/>
+          <a:p>
+            <a:r>
+              <a:rPr lang="es-MX" dirty="0"/>
+              <a:t>SALES</a:t>
+            </a:r>
+            <a:endParaRPr lang="en-CA" dirty="0"/>
+          </a:p>
+        </p:txBody>
+      </p:sp>
+      <p:sp>
+        <p:nvSpPr>
+          <p:cNvPr id="4" name="TextBox 3">
+            <a:extLst>
+              <a:ext uri="{FF2B5EF4-FFF2-40B4-BE49-F238E27FC236}">
+                <a16:creationId xmlns:a16="http://schemas.microsoft.com/office/drawing/2014/main" id="{D0B9AB03-36C4-4608-85F1-A45F9066E5F5}"/>
+              </a:ext>
+            </a:extLst>
+          </p:cNvPr>
+          <p:cNvSpPr txBox="1"/>
+          <p:nvPr/>
+        </p:nvSpPr>
+        <p:spPr>
+          <a:xfrm>
+            <a:off x="1164771" y="2100943"/>
+            <a:ext cx="1883229" cy="369332"/>
+          </a:xfrm>
+          <a:prstGeom prst="rect">
+            <a:avLst/>
+          </a:prstGeom>
+        </p:spPr>
+        <p:style>
+          <a:lnRef idx="0">
+            <a:schemeClr val="accent6"/>
+          </a:lnRef>
+          <a:fillRef idx="3">
+            <a:schemeClr val="accent6"/>
+          </a:fillRef>
+          <a:effectRef idx="3">
+            <a:schemeClr val="accent6"/>
+          </a:effectRef>
+          <a:fontRef idx="minor">
+            <a:schemeClr val="lt1"/>
+          </a:fontRef>
+        </p:style>
+        <p:txBody>
+          <a:bodyPr wrap="square" rtlCol="0">
+            <a:spAutoFit/>
+          </a:bodyPr>
+          <a:lstStyle/>
+          <a:p>
+            <a:r>
+              <a:rPr lang="es-MX" b="1" dirty="0" err="1">
+                <a:solidFill>
+                  <a:schemeClr val="bg1"/>
+                </a:solidFill>
+                <a:hlinkClick r:id="rId2" action="ppaction://hlinksldjump">
+                  <a:extLst>
+                    <a:ext uri="{A12FA001-AC4F-418D-AE19-62706E023703}">
+                      <ahyp:hlinkClr xmlns:ahyp="http://schemas.microsoft.com/office/drawing/2018/hyperlinkcolor" val="tx"/>
+                    </a:ext>
+                  </a:extLst>
+                </a:hlinkClick>
+              </a:rPr>
+              <a:t>Customers</a:t>
+            </a:r>
+            <a:endParaRPr lang="en-CA" b="1" dirty="0">
+              <a:solidFill>
+                <a:schemeClr val="bg1"/>
+              </a:solidFill>
+            </a:endParaRPr>
+          </a:p>
+        </p:txBody>
+      </p:sp>
+      <p:sp>
+        <p:nvSpPr>
+          <p:cNvPr id="5" name="TextBox 4">
+            <a:extLst>
+              <a:ext uri="{FF2B5EF4-FFF2-40B4-BE49-F238E27FC236}">
+                <a16:creationId xmlns:a16="http://schemas.microsoft.com/office/drawing/2014/main" id="{7C5215BC-83B5-43CA-96AA-F4CE51B674C0}"/>
+              </a:ext>
+            </a:extLst>
+          </p:cNvPr>
+          <p:cNvSpPr txBox="1"/>
+          <p:nvPr/>
+        </p:nvSpPr>
+        <p:spPr>
+          <a:xfrm>
+            <a:off x="4451069" y="2100943"/>
+            <a:ext cx="1883229" cy="369332"/>
+          </a:xfrm>
+          <a:prstGeom prst="rect">
+            <a:avLst/>
+          </a:prstGeom>
+        </p:spPr>
+        <p:style>
+          <a:lnRef idx="0">
+            <a:schemeClr val="accent6"/>
+          </a:lnRef>
+          <a:fillRef idx="3">
+            <a:schemeClr val="accent6"/>
+          </a:fillRef>
+          <a:effectRef idx="3">
+            <a:schemeClr val="accent6"/>
+          </a:effectRef>
+          <a:fontRef idx="minor">
+            <a:schemeClr val="lt1"/>
+          </a:fontRef>
+        </p:style>
+        <p:txBody>
+          <a:bodyPr wrap="square" rtlCol="0">
+            <a:spAutoFit/>
+          </a:bodyPr>
+          <a:lstStyle/>
+          <a:p>
+            <a:r>
+              <a:rPr lang="es-MX" dirty="0" err="1">
+                <a:solidFill>
+                  <a:schemeClr val="bg1"/>
+                </a:solidFill>
+                <a:hlinkClick r:id="rId2" action="ppaction://hlinksldjump">
+                  <a:extLst>
+                    <a:ext uri="{A12FA001-AC4F-418D-AE19-62706E023703}">
+                      <ahyp:hlinkClr xmlns:ahyp="http://schemas.microsoft.com/office/drawing/2018/hyperlinkcolor" val="tx"/>
+                    </a:ext>
+                  </a:extLst>
+                </a:hlinkClick>
+              </a:rPr>
+              <a:t>Orders</a:t>
+            </a:r>
+            <a:endParaRPr lang="en-CA" dirty="0">
+              <a:solidFill>
+                <a:schemeClr val="bg1"/>
+              </a:solidFill>
+            </a:endParaRPr>
+          </a:p>
+        </p:txBody>
+      </p:sp>
+      <p:sp>
+        <p:nvSpPr>
+          <p:cNvPr id="6" name="TextBox 5">
+            <a:extLst>
+              <a:ext uri="{FF2B5EF4-FFF2-40B4-BE49-F238E27FC236}">
+                <a16:creationId xmlns:a16="http://schemas.microsoft.com/office/drawing/2014/main" id="{03223FC6-4A61-48D0-BE3A-D4BE3E8BE117}"/>
+              </a:ext>
+            </a:extLst>
+          </p:cNvPr>
+          <p:cNvSpPr txBox="1"/>
+          <p:nvPr/>
+        </p:nvSpPr>
+        <p:spPr>
+          <a:xfrm>
+            <a:off x="9470571" y="5921103"/>
+            <a:ext cx="1883229" cy="369332"/>
+          </a:xfrm>
+          <a:prstGeom prst="rect">
+            <a:avLst/>
+          </a:prstGeom>
+        </p:spPr>
+        <p:style>
+          <a:lnRef idx="0">
+            <a:schemeClr val="accent6"/>
+          </a:lnRef>
+          <a:fillRef idx="3">
+            <a:schemeClr val="accent6"/>
+          </a:fillRef>
+          <a:effectRef idx="3">
+            <a:schemeClr val="accent6"/>
+          </a:effectRef>
+          <a:fontRef idx="minor">
+            <a:schemeClr val="lt1"/>
+          </a:fontRef>
+        </p:style>
+        <p:txBody>
+          <a:bodyPr wrap="square" rtlCol="0">
+            <a:spAutoFit/>
+          </a:bodyPr>
+          <a:lstStyle/>
+          <a:p>
+            <a:pPr algn="ctr"/>
+            <a:r>
+              <a:rPr lang="en-CA" b="1" dirty="0">
+                <a:solidFill>
+                  <a:schemeClr val="bg1"/>
+                </a:solidFill>
+                <a:hlinkClick r:id="rId3" action="ppaction://hlinksldjump"/>
+              </a:rPr>
+              <a:t>Menu</a:t>
+            </a:r>
+            <a:endParaRPr lang="en-CA" b="1" dirty="0">
+              <a:solidFill>
+                <a:schemeClr val="bg1"/>
+              </a:solidFill>
+            </a:endParaRPr>
+          </a:p>
+        </p:txBody>
+      </p:sp>
+    </p:spTree>
+    <p:extLst>
+      <p:ext uri="{BB962C8B-B14F-4D97-AF65-F5344CB8AC3E}">
+        <p14:creationId xmlns:p14="http://schemas.microsoft.com/office/powerpoint/2010/main" val="1832696636"/>
+      </p:ext>
+    </p:extLst>
+  </p:cSld>
+  <p:clrMapOvr>
+    <a:masterClrMapping/>
+  </p:clrMapOvr>
+</p:sld>
+</file>
+
+<file path=ppt/slides/slide4.xml><?xml version="1.0" encoding="utf-8"?>
+<p:sld xmlns:a="http://schemas.openxmlformats.org/drawingml/2006/main" xmlns:r="http://schemas.openxmlformats.org/officeDocument/2006/relationships" xmlns:p="http://schemas.openxmlformats.org/presentationml/2006/main">
+  <p:cSld>
+    <p:spTree>
+      <p:nvGrpSpPr>
+        <p:cNvPr id="1" name=""/>
+        <p:cNvGrpSpPr/>
+        <p:nvPr/>
+      </p:nvGrpSpPr>
+      <p:grpSpPr>
+        <a:xfrm>
+          <a:off x="0" y="0"/>
+          <a:ext cx="0" cy="0"/>
+          <a:chOff x="0" y="0"/>
+          <a:chExt cx="0" cy="0"/>
+        </a:xfrm>
+      </p:grpSpPr>
+      <p:sp>
+        <p:nvSpPr>
           <p:cNvPr id="5" name="TextBox 4">
             <a:extLst>
               <a:ext uri="{FF2B5EF4-FFF2-40B4-BE49-F238E27FC236}">
@@ -4111,13 +4444,7 @@
           <p:cNvGraphicFramePr>
             <a:graphicFrameLocks noGrp="1"/>
           </p:cNvGraphicFramePr>
-          <p:nvPr>
-            <p:extLst>
-              <p:ext uri="{D42A27DB-BD31-4B8C-83A1-F6EECF244321}">
-                <p14:modId xmlns:p14="http://schemas.microsoft.com/office/powerpoint/2010/main" val="3827213810"/>
-              </p:ext>
-            </p:extLst>
-          </p:nvPr>
+          <p:nvPr/>
         </p:nvGraphicFramePr>
         <p:xfrm>
           <a:off x="1402146" y="2678802"/>
@@ -4515,10 +4842,69 @@
           </a:graphicData>
         </a:graphic>
       </p:graphicFrame>
+      <p:sp>
+        <p:nvSpPr>
+          <p:cNvPr id="6" name="TextBox 5">
+            <a:extLst>
+              <a:ext uri="{FF2B5EF4-FFF2-40B4-BE49-F238E27FC236}">
+                <a16:creationId xmlns:a16="http://schemas.microsoft.com/office/drawing/2014/main" id="{C6D8E12B-E451-4FEB-93EB-1FD6007310BB}"/>
+              </a:ext>
+            </a:extLst>
+          </p:cNvPr>
+          <p:cNvSpPr txBox="1"/>
+          <p:nvPr/>
+        </p:nvSpPr>
+        <p:spPr>
+          <a:xfrm>
+            <a:off x="9470571" y="5921103"/>
+            <a:ext cx="1883229" cy="369332"/>
+          </a:xfrm>
+          <a:prstGeom prst="rect">
+            <a:avLst/>
+          </a:prstGeom>
+        </p:spPr>
+        <p:style>
+          <a:lnRef idx="0">
+            <a:schemeClr val="accent6"/>
+          </a:lnRef>
+          <a:fillRef idx="3">
+            <a:schemeClr val="accent6"/>
+          </a:fillRef>
+          <a:effectRef idx="3">
+            <a:schemeClr val="accent6"/>
+          </a:effectRef>
+          <a:fontRef idx="minor">
+            <a:schemeClr val="lt1"/>
+          </a:fontRef>
+        </p:style>
+        <p:txBody>
+          <a:bodyPr wrap="square" rtlCol="0">
+            <a:spAutoFit/>
+          </a:bodyPr>
+          <a:lstStyle/>
+          <a:p>
+            <a:pPr algn="ctr"/>
+            <a:r>
+              <a:rPr lang="en-CA" b="1" dirty="0">
+                <a:solidFill>
+                  <a:schemeClr val="bg1"/>
+                </a:solidFill>
+                <a:hlinkClick r:id="rId5" action="ppaction://hlinksldjump"/>
+              </a:rPr>
+              <a:t>Menu</a:t>
+            </a:r>
+            <a:endParaRPr lang="en-CA" b="1" dirty="0">
+              <a:solidFill>
+                <a:schemeClr val="bg1"/>
+              </a:solidFill>
+            </a:endParaRPr>
+          </a:p>
+        </p:txBody>
+      </p:sp>
     </p:spTree>
     <p:extLst>
       <p:ext uri="{BB962C8B-B14F-4D97-AF65-F5344CB8AC3E}">
-        <p14:creationId xmlns:p14="http://schemas.microsoft.com/office/powerpoint/2010/main" val="1520968938"/>
+        <p14:creationId xmlns:p14="http://schemas.microsoft.com/office/powerpoint/2010/main" val="333374303"/>
       </p:ext>
     </p:extLst>
   </p:cSld>
@@ -4528,7 +4914,7 @@
 </p:sld>
 </file>
 
-<file path=ppt/slides/slide4.xml><?xml version="1.0" encoding="utf-8"?>
+<file path=ppt/slides/slide5.xml><?xml version="1.0" encoding="utf-8"?>
 <p:sld xmlns:a="http://schemas.openxmlformats.org/drawingml/2006/main" xmlns:r="http://schemas.openxmlformats.org/officeDocument/2006/relationships" xmlns:p="http://schemas.openxmlformats.org/presentationml/2006/main">
   <p:cSld>
     <p:spTree>
@@ -4799,6 +5185,18 @@
             <a:r>
               <a:rPr lang="es-MX" dirty="0" err="1"/>
               <a:t>Customers</a:t>
+            </a:r>
+            <a:r>
+              <a:rPr lang="es-MX" dirty="0"/>
+              <a:t> (</a:t>
+            </a:r>
+            <a:r>
+              <a:rPr lang="es-MX" dirty="0" err="1"/>
+              <a:t>deleted</a:t>
+            </a:r>
+            <a:r>
+              <a:rPr lang="es-MX" dirty="0"/>
+              <a:t> box)</a:t>
             </a:r>
             <a:endParaRPr lang="en-CA" dirty="0"/>
           </a:p>
@@ -5148,71 +5546,12 @@
           </a:p>
         </p:txBody>
       </p:sp>
-    </p:spTree>
-    <p:extLst>
-      <p:ext uri="{BB962C8B-B14F-4D97-AF65-F5344CB8AC3E}">
-        <p14:creationId xmlns:p14="http://schemas.microsoft.com/office/powerpoint/2010/main" val="3552094197"/>
-      </p:ext>
-    </p:extLst>
-  </p:cSld>
-  <p:clrMapOvr>
-    <a:masterClrMapping/>
-  </p:clrMapOvr>
-</p:sld>
-</file>
-
-<file path=ppt/slides/slide5.xml><?xml version="1.0" encoding="utf-8"?>
-<p:sld xmlns:a="http://schemas.openxmlformats.org/drawingml/2006/main" xmlns:r="http://schemas.openxmlformats.org/officeDocument/2006/relationships" xmlns:p="http://schemas.openxmlformats.org/presentationml/2006/main">
-  <p:cSld>
-    <p:spTree>
-      <p:nvGrpSpPr>
-        <p:cNvPr id="1" name=""/>
-        <p:cNvGrpSpPr/>
-        <p:nvPr/>
-      </p:nvGrpSpPr>
-      <p:grpSpPr>
-        <a:xfrm>
-          <a:off x="0" y="0"/>
-          <a:ext cx="0" cy="0"/>
-          <a:chOff x="0" y="0"/>
-          <a:chExt cx="0" cy="0"/>
-        </a:xfrm>
-      </p:grpSpPr>
-      <p:sp>
-        <p:nvSpPr>
-          <p:cNvPr id="2" name="Title 1">
-            <a:extLst>
-              <a:ext uri="{FF2B5EF4-FFF2-40B4-BE49-F238E27FC236}">
-                <a16:creationId xmlns:a16="http://schemas.microsoft.com/office/drawing/2014/main" id="{755CC33C-D035-4BAB-88DD-0ADAF8A816F2}"/>
-              </a:ext>
-            </a:extLst>
-          </p:cNvPr>
-          <p:cNvSpPr>
-            <a:spLocks noGrp="1"/>
-          </p:cNvSpPr>
-          <p:nvPr>
-            <p:ph type="title"/>
-          </p:nvPr>
-        </p:nvSpPr>
-        <p:spPr/>
-        <p:txBody>
-          <a:bodyPr/>
-          <a:lstStyle/>
-          <a:p>
-            <a:r>
-              <a:rPr lang="es-MX" dirty="0"/>
-              <a:t>New Customer</a:t>
-            </a:r>
-            <a:endParaRPr lang="en-CA" dirty="0"/>
-          </a:p>
-        </p:txBody>
-      </p:sp>
-      <p:sp>
-        <p:nvSpPr>
-          <p:cNvPr id="4" name="TextBox 3">
-            <a:extLst>
-              <a:ext uri="{FF2B5EF4-FFF2-40B4-BE49-F238E27FC236}">
-                <a16:creationId xmlns:a16="http://schemas.microsoft.com/office/drawing/2014/main" id="{A1BBE1ED-D2D0-4A15-8608-2EC4FBED4E12}"/>
+      <p:sp>
+        <p:nvSpPr>
+          <p:cNvPr id="7" name="TextBox 6">
+            <a:extLst>
+              <a:ext uri="{FF2B5EF4-FFF2-40B4-BE49-F238E27FC236}">
+                <a16:creationId xmlns:a16="http://schemas.microsoft.com/office/drawing/2014/main" id="{53FA93A3-9D4B-4ACB-9CBF-10A14FC68008}"/>
               </a:ext>
             </a:extLst>
           </p:cNvPr>
@@ -5221,298 +5560,8 @@
         </p:nvSpPr>
         <p:spPr>
           <a:xfrm>
-            <a:off x="1055717" y="2119745"/>
-            <a:ext cx="3408218" cy="369332"/>
-          </a:xfrm>
-          <a:prstGeom prst="rect">
-            <a:avLst/>
-          </a:prstGeom>
-          <a:noFill/>
-        </p:spPr>
-        <p:txBody>
-          <a:bodyPr wrap="square" rtlCol="0">
-            <a:spAutoFit/>
-          </a:bodyPr>
-          <a:lstStyle/>
-          <a:p>
-            <a:r>
-              <a:rPr lang="es-MX" dirty="0" err="1"/>
-              <a:t>Name</a:t>
-            </a:r>
-            <a:r>
-              <a:rPr lang="es-MX" dirty="0"/>
-              <a:t>:  </a:t>
-            </a:r>
-            <a:r>
-              <a:rPr lang="es-MX" sz="1600" i="1" dirty="0" err="1">
-                <a:solidFill>
-                  <a:schemeClr val="bg2">
-                    <a:lumMod val="90000"/>
-                  </a:schemeClr>
-                </a:solidFill>
-              </a:rPr>
-              <a:t>Type</a:t>
-            </a:r>
-            <a:r>
-              <a:rPr lang="es-MX" sz="1600" i="1" dirty="0">
-                <a:solidFill>
-                  <a:schemeClr val="bg2">
-                    <a:lumMod val="90000"/>
-                  </a:schemeClr>
-                </a:solidFill>
-              </a:rPr>
-              <a:t> </a:t>
-            </a:r>
-            <a:r>
-              <a:rPr lang="es-MX" sz="1600" i="1" dirty="0" err="1">
-                <a:solidFill>
-                  <a:schemeClr val="bg2">
-                    <a:lumMod val="90000"/>
-                  </a:schemeClr>
-                </a:solidFill>
-              </a:rPr>
-              <a:t>name</a:t>
-            </a:r>
-            <a:endParaRPr lang="en-CA" sz="1600" i="1" dirty="0">
-              <a:solidFill>
-                <a:schemeClr val="bg2">
-                  <a:lumMod val="90000"/>
-                </a:schemeClr>
-              </a:solidFill>
-            </a:endParaRPr>
-          </a:p>
-        </p:txBody>
-      </p:sp>
-      <p:sp>
-        <p:nvSpPr>
-          <p:cNvPr id="7" name="TextBox 6">
-            <a:extLst>
-              <a:ext uri="{FF2B5EF4-FFF2-40B4-BE49-F238E27FC236}">
-                <a16:creationId xmlns:a16="http://schemas.microsoft.com/office/drawing/2014/main" id="{0B10AD7A-E4E7-4B91-84C9-690622F33851}"/>
-              </a:ext>
-            </a:extLst>
-          </p:cNvPr>
-          <p:cNvSpPr txBox="1"/>
-          <p:nvPr/>
-        </p:nvSpPr>
-        <p:spPr>
-          <a:xfrm>
-            <a:off x="1055717" y="2733468"/>
-            <a:ext cx="3408218" cy="369332"/>
-          </a:xfrm>
-          <a:prstGeom prst="rect">
-            <a:avLst/>
-          </a:prstGeom>
-          <a:noFill/>
-        </p:spPr>
-        <p:txBody>
-          <a:bodyPr wrap="square" rtlCol="0">
-            <a:spAutoFit/>
-          </a:bodyPr>
-          <a:lstStyle/>
-          <a:p>
-            <a:r>
-              <a:rPr lang="es-MX" dirty="0"/>
-              <a:t>Email:  </a:t>
-            </a:r>
-            <a:r>
-              <a:rPr lang="es-MX" sz="1600" i="1" dirty="0" err="1">
-                <a:solidFill>
-                  <a:schemeClr val="bg2">
-                    <a:lumMod val="90000"/>
-                  </a:schemeClr>
-                </a:solidFill>
-              </a:rPr>
-              <a:t>Type</a:t>
-            </a:r>
-            <a:r>
-              <a:rPr lang="es-MX" sz="1600" i="1" dirty="0">
-                <a:solidFill>
-                  <a:schemeClr val="bg2">
-                    <a:lumMod val="90000"/>
-                  </a:schemeClr>
-                </a:solidFill>
-              </a:rPr>
-              <a:t> email</a:t>
-            </a:r>
-            <a:endParaRPr lang="en-CA" sz="1600" i="1" dirty="0">
-              <a:solidFill>
-                <a:schemeClr val="bg2">
-                  <a:lumMod val="90000"/>
-                </a:schemeClr>
-              </a:solidFill>
-            </a:endParaRPr>
-          </a:p>
-        </p:txBody>
-      </p:sp>
-      <p:sp>
-        <p:nvSpPr>
-          <p:cNvPr id="8" name="TextBox 7">
-            <a:extLst>
-              <a:ext uri="{FF2B5EF4-FFF2-40B4-BE49-F238E27FC236}">
-                <a16:creationId xmlns:a16="http://schemas.microsoft.com/office/drawing/2014/main" id="{84D0A915-1FA8-4E76-9E97-74C6AB5AD83C}"/>
-              </a:ext>
-            </a:extLst>
-          </p:cNvPr>
-          <p:cNvSpPr txBox="1"/>
-          <p:nvPr/>
-        </p:nvSpPr>
-        <p:spPr>
-          <a:xfrm>
-            <a:off x="1055717" y="3347191"/>
-            <a:ext cx="3408218" cy="369332"/>
-          </a:xfrm>
-          <a:prstGeom prst="rect">
-            <a:avLst/>
-          </a:prstGeom>
-          <a:noFill/>
-        </p:spPr>
-        <p:txBody>
-          <a:bodyPr wrap="square" rtlCol="0">
-            <a:spAutoFit/>
-          </a:bodyPr>
-          <a:lstStyle/>
-          <a:p>
-            <a:r>
-              <a:rPr lang="es-MX" dirty="0" err="1"/>
-              <a:t>Telephone</a:t>
-            </a:r>
-            <a:r>
-              <a:rPr lang="es-MX" dirty="0"/>
-              <a:t>:  </a:t>
-            </a:r>
-            <a:r>
-              <a:rPr lang="es-MX" sz="1600" i="1" dirty="0" err="1">
-                <a:solidFill>
-                  <a:schemeClr val="bg2">
-                    <a:lumMod val="90000"/>
-                  </a:schemeClr>
-                </a:solidFill>
-              </a:rPr>
-              <a:t>Type</a:t>
-            </a:r>
-            <a:r>
-              <a:rPr lang="es-MX" sz="1600" i="1" dirty="0">
-                <a:solidFill>
-                  <a:schemeClr val="bg2">
-                    <a:lumMod val="90000"/>
-                  </a:schemeClr>
-                </a:solidFill>
-              </a:rPr>
-              <a:t> </a:t>
-            </a:r>
-            <a:r>
-              <a:rPr lang="es-MX" sz="1600" i="1" dirty="0" err="1">
-                <a:solidFill>
-                  <a:schemeClr val="bg2">
-                    <a:lumMod val="90000"/>
-                  </a:schemeClr>
-                </a:solidFill>
-              </a:rPr>
-              <a:t>telephone</a:t>
-            </a:r>
-            <a:endParaRPr lang="en-CA" sz="1600" i="1" dirty="0">
-              <a:solidFill>
-                <a:schemeClr val="bg2">
-                  <a:lumMod val="90000"/>
-                </a:schemeClr>
-              </a:solidFill>
-            </a:endParaRPr>
-          </a:p>
-        </p:txBody>
-      </p:sp>
-      <p:sp>
-        <p:nvSpPr>
-          <p:cNvPr id="9" name="TextBox 8">
-            <a:extLst>
-              <a:ext uri="{FF2B5EF4-FFF2-40B4-BE49-F238E27FC236}">
-                <a16:creationId xmlns:a16="http://schemas.microsoft.com/office/drawing/2014/main" id="{60D48120-122F-4E82-A7A1-09DCACCF88E5}"/>
-              </a:ext>
-            </a:extLst>
-          </p:cNvPr>
-          <p:cNvSpPr txBox="1"/>
-          <p:nvPr/>
-        </p:nvSpPr>
-        <p:spPr>
-          <a:xfrm>
-            <a:off x="1055717" y="4067694"/>
-            <a:ext cx="3408218" cy="369332"/>
-          </a:xfrm>
-          <a:prstGeom prst="rect">
-            <a:avLst/>
-          </a:prstGeom>
-          <a:noFill/>
-        </p:spPr>
-        <p:txBody>
-          <a:bodyPr wrap="square" rtlCol="0">
-            <a:spAutoFit/>
-          </a:bodyPr>
-          <a:lstStyle/>
-          <a:p>
-            <a:r>
-              <a:rPr lang="es-MX" dirty="0" err="1"/>
-              <a:t>Address</a:t>
-            </a:r>
-            <a:r>
-              <a:rPr lang="es-MX" dirty="0"/>
-              <a:t>:  </a:t>
-            </a:r>
-            <a:r>
-              <a:rPr lang="es-MX" sz="1600" i="1" dirty="0" err="1">
-                <a:solidFill>
-                  <a:schemeClr val="bg2">
-                    <a:lumMod val="90000"/>
-                  </a:schemeClr>
-                </a:solidFill>
-              </a:rPr>
-              <a:t>Type</a:t>
-            </a:r>
-            <a:r>
-              <a:rPr lang="es-MX" sz="1600" i="1" dirty="0">
-                <a:solidFill>
-                  <a:schemeClr val="bg2">
-                    <a:lumMod val="90000"/>
-                  </a:schemeClr>
-                </a:solidFill>
-              </a:rPr>
-              <a:t> </a:t>
-            </a:r>
-            <a:r>
-              <a:rPr lang="es-MX" sz="1600" i="1" dirty="0" err="1">
-                <a:solidFill>
-                  <a:schemeClr val="bg2">
-                    <a:lumMod val="90000"/>
-                  </a:schemeClr>
-                </a:solidFill>
-              </a:rPr>
-              <a:t>address</a:t>
-            </a:r>
-            <a:endParaRPr lang="en-CA" sz="1600" i="1" dirty="0">
-              <a:solidFill>
-                <a:schemeClr val="bg2">
-                  <a:lumMod val="90000"/>
-                </a:schemeClr>
-              </a:solidFill>
-            </a:endParaRPr>
-          </a:p>
-        </p:txBody>
-      </p:sp>
-      <p:sp>
-        <p:nvSpPr>
-          <p:cNvPr id="10" name="TextBox 9">
-            <a:extLst>
-              <a:ext uri="{FF2B5EF4-FFF2-40B4-BE49-F238E27FC236}">
-                <a16:creationId xmlns:a16="http://schemas.microsoft.com/office/drawing/2014/main" id="{ACE777A8-6365-4D6A-BF12-A3AEA1565681}"/>
-              </a:ext>
-            </a:extLst>
-          </p:cNvPr>
-          <p:cNvSpPr txBox="1"/>
-          <p:nvPr/>
-        </p:nvSpPr>
-        <p:spPr>
-          <a:xfrm>
-            <a:off x="8398626" y="5339541"/>
-            <a:ext cx="3408218" cy="369332"/>
+            <a:off x="9470571" y="5921103"/>
+            <a:ext cx="1883229" cy="369332"/>
           </a:xfrm>
           <a:prstGeom prst="rect">
             <a:avLst/>
@@ -5538,22 +5587,17 @@
           </a:bodyPr>
           <a:lstStyle/>
           <a:p>
-            <a:r>
-              <a:rPr lang="es-MX" dirty="0">
+            <a:pPr algn="ctr"/>
+            <a:r>
+              <a:rPr lang="en-CA" b="1" dirty="0">
                 <a:solidFill>
                   <a:schemeClr val="bg1"/>
                 </a:solidFill>
-                <a:hlinkClick r:id="rId2" action="ppaction://hlinksldjump">
-                  <a:extLst>
-                    <a:ext uri="{A12FA001-AC4F-418D-AE19-62706E023703}">
-                      <ahyp:hlinkClr xmlns:ahyp="http://schemas.microsoft.com/office/drawing/2018/hyperlinkcolor" val="tx"/>
-                    </a:ext>
-                  </a:extLst>
-                </a:hlinkClick>
+                <a:hlinkClick r:id="rId3" action="ppaction://hlinksldjump"/>
               </a:rPr>
-              <a:t>SAVE NEW CUSTOMER</a:t>
-            </a:r>
-            <a:endParaRPr lang="en-CA" sz="1600" i="1" dirty="0">
+              <a:t>Menu</a:t>
+            </a:r>
+            <a:endParaRPr lang="en-CA" b="1" dirty="0">
               <a:solidFill>
                 <a:schemeClr val="bg1"/>
               </a:solidFill>
@@ -5564,7 +5608,7 @@
     </p:spTree>
     <p:extLst>
       <p:ext uri="{BB962C8B-B14F-4D97-AF65-F5344CB8AC3E}">
-        <p14:creationId xmlns:p14="http://schemas.microsoft.com/office/powerpoint/2010/main" val="4019678493"/>
+        <p14:creationId xmlns:p14="http://schemas.microsoft.com/office/powerpoint/2010/main" val="3552094197"/>
       </p:ext>
     </p:extLst>
   </p:cSld>
@@ -5613,6 +5657,482 @@
           <a:lstStyle/>
           <a:p>
             <a:r>
+              <a:rPr lang="es-MX" dirty="0"/>
+              <a:t>New </a:t>
+            </a:r>
+            <a:r>
+              <a:rPr lang="es-MX" dirty="0" err="1"/>
+              <a:t>Customer</a:t>
+            </a:r>
+            <a:endParaRPr lang="en-CA" dirty="0"/>
+          </a:p>
+        </p:txBody>
+      </p:sp>
+      <p:sp>
+        <p:nvSpPr>
+          <p:cNvPr id="4" name="TextBox 3">
+            <a:extLst>
+              <a:ext uri="{FF2B5EF4-FFF2-40B4-BE49-F238E27FC236}">
+                <a16:creationId xmlns:a16="http://schemas.microsoft.com/office/drawing/2014/main" id="{A1BBE1ED-D2D0-4A15-8608-2EC4FBED4E12}"/>
+              </a:ext>
+            </a:extLst>
+          </p:cNvPr>
+          <p:cNvSpPr txBox="1"/>
+          <p:nvPr/>
+        </p:nvSpPr>
+        <p:spPr>
+          <a:xfrm>
+            <a:off x="1055717" y="2119745"/>
+            <a:ext cx="3408218" cy="369332"/>
+          </a:xfrm>
+          <a:prstGeom prst="rect">
+            <a:avLst/>
+          </a:prstGeom>
+          <a:noFill/>
+        </p:spPr>
+        <p:txBody>
+          <a:bodyPr wrap="square" rtlCol="0">
+            <a:spAutoFit/>
+          </a:bodyPr>
+          <a:lstStyle/>
+          <a:p>
+            <a:r>
+              <a:rPr lang="es-MX" dirty="0" err="1"/>
+              <a:t>Name</a:t>
+            </a:r>
+            <a:r>
+              <a:rPr lang="es-MX" dirty="0"/>
+              <a:t>:  </a:t>
+            </a:r>
+            <a:r>
+              <a:rPr lang="es-MX" sz="1600" i="1" dirty="0" err="1">
+                <a:solidFill>
+                  <a:schemeClr val="bg2">
+                    <a:lumMod val="90000"/>
+                  </a:schemeClr>
+                </a:solidFill>
+              </a:rPr>
+              <a:t>Type</a:t>
+            </a:r>
+            <a:r>
+              <a:rPr lang="es-MX" sz="1600" i="1" dirty="0">
+                <a:solidFill>
+                  <a:schemeClr val="bg2">
+                    <a:lumMod val="90000"/>
+                  </a:schemeClr>
+                </a:solidFill>
+              </a:rPr>
+              <a:t> </a:t>
+            </a:r>
+            <a:r>
+              <a:rPr lang="es-MX" sz="1600" i="1" dirty="0" err="1">
+                <a:solidFill>
+                  <a:schemeClr val="bg2">
+                    <a:lumMod val="90000"/>
+                  </a:schemeClr>
+                </a:solidFill>
+              </a:rPr>
+              <a:t>name</a:t>
+            </a:r>
+            <a:endParaRPr lang="en-CA" sz="1600" i="1" dirty="0">
+              <a:solidFill>
+                <a:schemeClr val="bg2">
+                  <a:lumMod val="90000"/>
+                </a:schemeClr>
+              </a:solidFill>
+            </a:endParaRPr>
+          </a:p>
+        </p:txBody>
+      </p:sp>
+      <p:sp>
+        <p:nvSpPr>
+          <p:cNvPr id="7" name="TextBox 6">
+            <a:extLst>
+              <a:ext uri="{FF2B5EF4-FFF2-40B4-BE49-F238E27FC236}">
+                <a16:creationId xmlns:a16="http://schemas.microsoft.com/office/drawing/2014/main" id="{0B10AD7A-E4E7-4B91-84C9-690622F33851}"/>
+              </a:ext>
+            </a:extLst>
+          </p:cNvPr>
+          <p:cNvSpPr txBox="1"/>
+          <p:nvPr/>
+        </p:nvSpPr>
+        <p:spPr>
+          <a:xfrm>
+            <a:off x="1055717" y="2733468"/>
+            <a:ext cx="3408218" cy="369332"/>
+          </a:xfrm>
+          <a:prstGeom prst="rect">
+            <a:avLst/>
+          </a:prstGeom>
+          <a:noFill/>
+        </p:spPr>
+        <p:txBody>
+          <a:bodyPr wrap="square" rtlCol="0">
+            <a:spAutoFit/>
+          </a:bodyPr>
+          <a:lstStyle/>
+          <a:p>
+            <a:r>
+              <a:rPr lang="es-MX" dirty="0"/>
+              <a:t>Email:  </a:t>
+            </a:r>
+            <a:r>
+              <a:rPr lang="es-MX" sz="1600" i="1" dirty="0" err="1">
+                <a:solidFill>
+                  <a:schemeClr val="bg2">
+                    <a:lumMod val="90000"/>
+                  </a:schemeClr>
+                </a:solidFill>
+              </a:rPr>
+              <a:t>Type</a:t>
+            </a:r>
+            <a:r>
+              <a:rPr lang="es-MX" sz="1600" i="1" dirty="0">
+                <a:solidFill>
+                  <a:schemeClr val="bg2">
+                    <a:lumMod val="90000"/>
+                  </a:schemeClr>
+                </a:solidFill>
+              </a:rPr>
+              <a:t> email</a:t>
+            </a:r>
+            <a:endParaRPr lang="en-CA" sz="1600" i="1" dirty="0">
+              <a:solidFill>
+                <a:schemeClr val="bg2">
+                  <a:lumMod val="90000"/>
+                </a:schemeClr>
+              </a:solidFill>
+            </a:endParaRPr>
+          </a:p>
+        </p:txBody>
+      </p:sp>
+      <p:sp>
+        <p:nvSpPr>
+          <p:cNvPr id="8" name="TextBox 7">
+            <a:extLst>
+              <a:ext uri="{FF2B5EF4-FFF2-40B4-BE49-F238E27FC236}">
+                <a16:creationId xmlns:a16="http://schemas.microsoft.com/office/drawing/2014/main" id="{84D0A915-1FA8-4E76-9E97-74C6AB5AD83C}"/>
+              </a:ext>
+            </a:extLst>
+          </p:cNvPr>
+          <p:cNvSpPr txBox="1"/>
+          <p:nvPr/>
+        </p:nvSpPr>
+        <p:spPr>
+          <a:xfrm>
+            <a:off x="1055717" y="3347191"/>
+            <a:ext cx="3408218" cy="369332"/>
+          </a:xfrm>
+          <a:prstGeom prst="rect">
+            <a:avLst/>
+          </a:prstGeom>
+          <a:noFill/>
+        </p:spPr>
+        <p:txBody>
+          <a:bodyPr wrap="square" rtlCol="0">
+            <a:spAutoFit/>
+          </a:bodyPr>
+          <a:lstStyle/>
+          <a:p>
+            <a:r>
+              <a:rPr lang="es-MX" dirty="0" err="1"/>
+              <a:t>Telephone</a:t>
+            </a:r>
+            <a:r>
+              <a:rPr lang="es-MX" dirty="0"/>
+              <a:t>:  </a:t>
+            </a:r>
+            <a:r>
+              <a:rPr lang="es-MX" sz="1600" i="1" dirty="0" err="1">
+                <a:solidFill>
+                  <a:schemeClr val="bg2">
+                    <a:lumMod val="90000"/>
+                  </a:schemeClr>
+                </a:solidFill>
+              </a:rPr>
+              <a:t>Type</a:t>
+            </a:r>
+            <a:r>
+              <a:rPr lang="es-MX" sz="1600" i="1" dirty="0">
+                <a:solidFill>
+                  <a:schemeClr val="bg2">
+                    <a:lumMod val="90000"/>
+                  </a:schemeClr>
+                </a:solidFill>
+              </a:rPr>
+              <a:t> </a:t>
+            </a:r>
+            <a:r>
+              <a:rPr lang="es-MX" sz="1600" i="1" dirty="0" err="1">
+                <a:solidFill>
+                  <a:schemeClr val="bg2">
+                    <a:lumMod val="90000"/>
+                  </a:schemeClr>
+                </a:solidFill>
+              </a:rPr>
+              <a:t>telephone</a:t>
+            </a:r>
+            <a:endParaRPr lang="en-CA" sz="1600" i="1" dirty="0">
+              <a:solidFill>
+                <a:schemeClr val="bg2">
+                  <a:lumMod val="90000"/>
+                </a:schemeClr>
+              </a:solidFill>
+            </a:endParaRPr>
+          </a:p>
+        </p:txBody>
+      </p:sp>
+      <p:sp>
+        <p:nvSpPr>
+          <p:cNvPr id="9" name="TextBox 8">
+            <a:extLst>
+              <a:ext uri="{FF2B5EF4-FFF2-40B4-BE49-F238E27FC236}">
+                <a16:creationId xmlns:a16="http://schemas.microsoft.com/office/drawing/2014/main" id="{60D48120-122F-4E82-A7A1-09DCACCF88E5}"/>
+              </a:ext>
+            </a:extLst>
+          </p:cNvPr>
+          <p:cNvSpPr txBox="1"/>
+          <p:nvPr/>
+        </p:nvSpPr>
+        <p:spPr>
+          <a:xfrm>
+            <a:off x="1055717" y="4067694"/>
+            <a:ext cx="3408218" cy="369332"/>
+          </a:xfrm>
+          <a:prstGeom prst="rect">
+            <a:avLst/>
+          </a:prstGeom>
+          <a:noFill/>
+        </p:spPr>
+        <p:txBody>
+          <a:bodyPr wrap="square" rtlCol="0">
+            <a:spAutoFit/>
+          </a:bodyPr>
+          <a:lstStyle/>
+          <a:p>
+            <a:r>
+              <a:rPr lang="es-MX" dirty="0" err="1"/>
+              <a:t>Address</a:t>
+            </a:r>
+            <a:r>
+              <a:rPr lang="es-MX" dirty="0"/>
+              <a:t>:  </a:t>
+            </a:r>
+            <a:r>
+              <a:rPr lang="es-MX" sz="1600" i="1" dirty="0" err="1">
+                <a:solidFill>
+                  <a:schemeClr val="bg2">
+                    <a:lumMod val="90000"/>
+                  </a:schemeClr>
+                </a:solidFill>
+              </a:rPr>
+              <a:t>Type</a:t>
+            </a:r>
+            <a:r>
+              <a:rPr lang="es-MX" sz="1600" i="1" dirty="0">
+                <a:solidFill>
+                  <a:schemeClr val="bg2">
+                    <a:lumMod val="90000"/>
+                  </a:schemeClr>
+                </a:solidFill>
+              </a:rPr>
+              <a:t> </a:t>
+            </a:r>
+            <a:r>
+              <a:rPr lang="es-MX" sz="1600" i="1" dirty="0" err="1">
+                <a:solidFill>
+                  <a:schemeClr val="bg2">
+                    <a:lumMod val="90000"/>
+                  </a:schemeClr>
+                </a:solidFill>
+              </a:rPr>
+              <a:t>address</a:t>
+            </a:r>
+            <a:endParaRPr lang="en-CA" sz="1600" i="1" dirty="0">
+              <a:solidFill>
+                <a:schemeClr val="bg2">
+                  <a:lumMod val="90000"/>
+                </a:schemeClr>
+              </a:solidFill>
+            </a:endParaRPr>
+          </a:p>
+        </p:txBody>
+      </p:sp>
+      <p:sp>
+        <p:nvSpPr>
+          <p:cNvPr id="10" name="TextBox 9">
+            <a:extLst>
+              <a:ext uri="{FF2B5EF4-FFF2-40B4-BE49-F238E27FC236}">
+                <a16:creationId xmlns:a16="http://schemas.microsoft.com/office/drawing/2014/main" id="{ACE777A8-6365-4D6A-BF12-A3AEA1565681}"/>
+              </a:ext>
+            </a:extLst>
+          </p:cNvPr>
+          <p:cNvSpPr txBox="1"/>
+          <p:nvPr/>
+        </p:nvSpPr>
+        <p:spPr>
+          <a:xfrm>
+            <a:off x="8622146" y="5105861"/>
+            <a:ext cx="3408218" cy="369332"/>
+          </a:xfrm>
+          <a:prstGeom prst="rect">
+            <a:avLst/>
+          </a:prstGeom>
+        </p:spPr>
+        <p:style>
+          <a:lnRef idx="0">
+            <a:schemeClr val="accent6"/>
+          </a:lnRef>
+          <a:fillRef idx="3">
+            <a:schemeClr val="accent6"/>
+          </a:fillRef>
+          <a:effectRef idx="3">
+            <a:schemeClr val="accent6"/>
+          </a:effectRef>
+          <a:fontRef idx="minor">
+            <a:schemeClr val="lt1"/>
+          </a:fontRef>
+        </p:style>
+        <p:txBody>
+          <a:bodyPr wrap="square" rtlCol="0">
+            <a:spAutoFit/>
+          </a:bodyPr>
+          <a:lstStyle/>
+          <a:p>
+            <a:r>
+              <a:rPr lang="es-MX" dirty="0">
+                <a:solidFill>
+                  <a:schemeClr val="bg1"/>
+                </a:solidFill>
+                <a:hlinkClick r:id="rId2" action="ppaction://hlinksldjump">
+                  <a:extLst>
+                    <a:ext uri="{A12FA001-AC4F-418D-AE19-62706E023703}">
+                      <ahyp:hlinkClr xmlns:ahyp="http://schemas.microsoft.com/office/drawing/2018/hyperlinkcolor" val="tx"/>
+                    </a:ext>
+                  </a:extLst>
+                </a:hlinkClick>
+              </a:rPr>
+              <a:t>SAVE NEW CUSTOMER</a:t>
+            </a:r>
+            <a:endParaRPr lang="en-CA" sz="1600" i="1" dirty="0">
+              <a:solidFill>
+                <a:schemeClr val="bg1"/>
+              </a:solidFill>
+            </a:endParaRPr>
+          </a:p>
+        </p:txBody>
+      </p:sp>
+      <p:sp>
+        <p:nvSpPr>
+          <p:cNvPr id="12" name="TextBox 11">
+            <a:extLst>
+              <a:ext uri="{FF2B5EF4-FFF2-40B4-BE49-F238E27FC236}">
+                <a16:creationId xmlns:a16="http://schemas.microsoft.com/office/drawing/2014/main" id="{7246F29A-5704-4E79-AB2B-1D1550616C5E}"/>
+              </a:ext>
+            </a:extLst>
+          </p:cNvPr>
+          <p:cNvSpPr txBox="1"/>
+          <p:nvPr/>
+        </p:nvSpPr>
+        <p:spPr>
+          <a:xfrm>
+            <a:off x="9470571" y="5921103"/>
+            <a:ext cx="1883229" cy="369332"/>
+          </a:xfrm>
+          <a:prstGeom prst="rect">
+            <a:avLst/>
+          </a:prstGeom>
+        </p:spPr>
+        <p:style>
+          <a:lnRef idx="0">
+            <a:schemeClr val="accent6"/>
+          </a:lnRef>
+          <a:fillRef idx="3">
+            <a:schemeClr val="accent6"/>
+          </a:fillRef>
+          <a:effectRef idx="3">
+            <a:schemeClr val="accent6"/>
+          </a:effectRef>
+          <a:fontRef idx="minor">
+            <a:schemeClr val="lt1"/>
+          </a:fontRef>
+        </p:style>
+        <p:txBody>
+          <a:bodyPr wrap="square" rtlCol="0">
+            <a:spAutoFit/>
+          </a:bodyPr>
+          <a:lstStyle/>
+          <a:p>
+            <a:pPr algn="ctr"/>
+            <a:r>
+              <a:rPr lang="en-CA" b="1" dirty="0">
+                <a:solidFill>
+                  <a:schemeClr val="bg1"/>
+                </a:solidFill>
+                <a:hlinkClick r:id="rId3" action="ppaction://hlinksldjump"/>
+              </a:rPr>
+              <a:t>Menu</a:t>
+            </a:r>
+            <a:endParaRPr lang="en-CA" b="1" dirty="0">
+              <a:solidFill>
+                <a:schemeClr val="bg1"/>
+              </a:solidFill>
+            </a:endParaRPr>
+          </a:p>
+        </p:txBody>
+      </p:sp>
+    </p:spTree>
+    <p:extLst>
+      <p:ext uri="{BB962C8B-B14F-4D97-AF65-F5344CB8AC3E}">
+        <p14:creationId xmlns:p14="http://schemas.microsoft.com/office/powerpoint/2010/main" val="4019678493"/>
+      </p:ext>
+    </p:extLst>
+  </p:cSld>
+  <p:clrMapOvr>
+    <a:masterClrMapping/>
+  </p:clrMapOvr>
+</p:sld>
+</file>
+
+<file path=ppt/slides/slide7.xml><?xml version="1.0" encoding="utf-8"?>
+<p:sld xmlns:a="http://schemas.openxmlformats.org/drawingml/2006/main" xmlns:r="http://schemas.openxmlformats.org/officeDocument/2006/relationships" xmlns:p="http://schemas.openxmlformats.org/presentationml/2006/main">
+  <p:cSld>
+    <p:spTree>
+      <p:nvGrpSpPr>
+        <p:cNvPr id="1" name=""/>
+        <p:cNvGrpSpPr/>
+        <p:nvPr/>
+      </p:nvGrpSpPr>
+      <p:grpSpPr>
+        <a:xfrm>
+          <a:off x="0" y="0"/>
+          <a:ext cx="0" cy="0"/>
+          <a:chOff x="0" y="0"/>
+          <a:chExt cx="0" cy="0"/>
+        </a:xfrm>
+      </p:grpSpPr>
+      <p:sp>
+        <p:nvSpPr>
+          <p:cNvPr id="2" name="Title 1">
+            <a:extLst>
+              <a:ext uri="{FF2B5EF4-FFF2-40B4-BE49-F238E27FC236}">
+                <a16:creationId xmlns:a16="http://schemas.microsoft.com/office/drawing/2014/main" id="{755CC33C-D035-4BAB-88DD-0ADAF8A816F2}"/>
+              </a:ext>
+            </a:extLst>
+          </p:cNvPr>
+          <p:cNvSpPr>
+            <a:spLocks noGrp="1"/>
+          </p:cNvSpPr>
+          <p:nvPr>
+            <p:ph type="title"/>
+          </p:nvPr>
+        </p:nvSpPr>
+        <p:spPr/>
+        <p:txBody>
+          <a:bodyPr/>
+          <a:lstStyle/>
+          <a:p>
+            <a:r>
               <a:rPr lang="es-MX" dirty="0" err="1"/>
               <a:t>Edit</a:t>
             </a:r>
@@ -5872,10 +6392,1703 @@
           </a:p>
         </p:txBody>
       </p:sp>
+      <p:sp>
+        <p:nvSpPr>
+          <p:cNvPr id="11" name="TextBox 10">
+            <a:extLst>
+              <a:ext uri="{FF2B5EF4-FFF2-40B4-BE49-F238E27FC236}">
+                <a16:creationId xmlns:a16="http://schemas.microsoft.com/office/drawing/2014/main" id="{DF7815E6-9E3A-4CF4-B241-CEBD4D78E15A}"/>
+              </a:ext>
+            </a:extLst>
+          </p:cNvPr>
+          <p:cNvSpPr txBox="1"/>
+          <p:nvPr/>
+        </p:nvSpPr>
+        <p:spPr>
+          <a:xfrm>
+            <a:off x="9470571" y="5921103"/>
+            <a:ext cx="1883229" cy="369332"/>
+          </a:xfrm>
+          <a:prstGeom prst="rect">
+            <a:avLst/>
+          </a:prstGeom>
+        </p:spPr>
+        <p:style>
+          <a:lnRef idx="0">
+            <a:schemeClr val="accent6"/>
+          </a:lnRef>
+          <a:fillRef idx="3">
+            <a:schemeClr val="accent6"/>
+          </a:fillRef>
+          <a:effectRef idx="3">
+            <a:schemeClr val="accent6"/>
+          </a:effectRef>
+          <a:fontRef idx="minor">
+            <a:schemeClr val="lt1"/>
+          </a:fontRef>
+        </p:style>
+        <p:txBody>
+          <a:bodyPr wrap="square" rtlCol="0">
+            <a:spAutoFit/>
+          </a:bodyPr>
+          <a:lstStyle/>
+          <a:p>
+            <a:pPr algn="ctr"/>
+            <a:r>
+              <a:rPr lang="en-CA" b="1" dirty="0">
+                <a:solidFill>
+                  <a:schemeClr val="bg1"/>
+                </a:solidFill>
+                <a:hlinkClick r:id="rId3" action="ppaction://hlinksldjump"/>
+              </a:rPr>
+              <a:t>Menu</a:t>
+            </a:r>
+            <a:endParaRPr lang="en-CA" b="1" dirty="0">
+              <a:solidFill>
+                <a:schemeClr val="bg1"/>
+              </a:solidFill>
+            </a:endParaRPr>
+          </a:p>
+        </p:txBody>
+      </p:sp>
     </p:spTree>
     <p:extLst>
       <p:ext uri="{BB962C8B-B14F-4D97-AF65-F5344CB8AC3E}">
         <p14:creationId xmlns:p14="http://schemas.microsoft.com/office/powerpoint/2010/main" val="909407198"/>
+      </p:ext>
+    </p:extLst>
+  </p:cSld>
+  <p:clrMapOvr>
+    <a:masterClrMapping/>
+  </p:clrMapOvr>
+</p:sld>
+</file>
+
+<file path=ppt/slides/slide8.xml><?xml version="1.0" encoding="utf-8"?>
+<p:sld xmlns:a="http://schemas.openxmlformats.org/drawingml/2006/main" xmlns:r="http://schemas.openxmlformats.org/officeDocument/2006/relationships" xmlns:p="http://schemas.openxmlformats.org/presentationml/2006/main">
+  <p:cSld>
+    <p:spTree>
+      <p:nvGrpSpPr>
+        <p:cNvPr id="1" name=""/>
+        <p:cNvGrpSpPr/>
+        <p:nvPr/>
+      </p:nvGrpSpPr>
+      <p:grpSpPr>
+        <a:xfrm>
+          <a:off x="0" y="0"/>
+          <a:ext cx="0" cy="0"/>
+          <a:chOff x="0" y="0"/>
+          <a:chExt cx="0" cy="0"/>
+        </a:xfrm>
+      </p:grpSpPr>
+      <p:sp>
+        <p:nvSpPr>
+          <p:cNvPr id="5" name="TextBox 4">
+            <a:extLst>
+              <a:ext uri="{FF2B5EF4-FFF2-40B4-BE49-F238E27FC236}">
+                <a16:creationId xmlns:a16="http://schemas.microsoft.com/office/drawing/2014/main" id="{57A2FBE0-6B07-471C-8CA2-5B3E0B0EB596}"/>
+              </a:ext>
+            </a:extLst>
+          </p:cNvPr>
+          <p:cNvSpPr txBox="1"/>
+          <p:nvPr/>
+        </p:nvSpPr>
+        <p:spPr>
+          <a:xfrm>
+            <a:off x="9821091" y="1690688"/>
+            <a:ext cx="1883229" cy="369332"/>
+          </a:xfrm>
+          <a:prstGeom prst="rect">
+            <a:avLst/>
+          </a:prstGeom>
+        </p:spPr>
+        <p:style>
+          <a:lnRef idx="0">
+            <a:schemeClr val="accent6"/>
+          </a:lnRef>
+          <a:fillRef idx="3">
+            <a:schemeClr val="accent6"/>
+          </a:fillRef>
+          <a:effectRef idx="3">
+            <a:schemeClr val="accent6"/>
+          </a:effectRef>
+          <a:fontRef idx="minor">
+            <a:schemeClr val="lt1"/>
+          </a:fontRef>
+        </p:style>
+        <p:txBody>
+          <a:bodyPr wrap="square" rtlCol="0">
+            <a:spAutoFit/>
+          </a:bodyPr>
+          <a:lstStyle/>
+          <a:p>
+            <a:r>
+              <a:rPr lang="es-MX" dirty="0" err="1">
+                <a:solidFill>
+                  <a:schemeClr val="bg1"/>
+                </a:solidFill>
+              </a:rPr>
+              <a:t>Create</a:t>
+            </a:r>
+            <a:r>
+              <a:rPr lang="es-MX" dirty="0">
+                <a:solidFill>
+                  <a:schemeClr val="bg1"/>
+                </a:solidFill>
+              </a:rPr>
+              <a:t> </a:t>
+            </a:r>
+            <a:r>
+              <a:rPr lang="es-MX" dirty="0" err="1">
+                <a:solidFill>
+                  <a:schemeClr val="bg1"/>
+                </a:solidFill>
+              </a:rPr>
+              <a:t>Order</a:t>
+            </a:r>
+            <a:endParaRPr lang="en-CA" dirty="0">
+              <a:solidFill>
+                <a:schemeClr val="bg1"/>
+              </a:solidFill>
+            </a:endParaRPr>
+          </a:p>
+        </p:txBody>
+      </p:sp>
+      <p:sp>
+        <p:nvSpPr>
+          <p:cNvPr id="17" name="TextBox 16">
+            <a:extLst>
+              <a:ext uri="{FF2B5EF4-FFF2-40B4-BE49-F238E27FC236}">
+                <a16:creationId xmlns:a16="http://schemas.microsoft.com/office/drawing/2014/main" id="{BD087BA9-E460-4EDB-B7C1-EB0BF8671D23}"/>
+              </a:ext>
+            </a:extLst>
+          </p:cNvPr>
+          <p:cNvSpPr txBox="1"/>
+          <p:nvPr/>
+        </p:nvSpPr>
+        <p:spPr>
+          <a:xfrm>
+            <a:off x="1402146" y="1815413"/>
+            <a:ext cx="7725229" cy="369332"/>
+          </a:xfrm>
+          <a:prstGeom prst="rect">
+            <a:avLst/>
+          </a:prstGeom>
+          <a:noFill/>
+        </p:spPr>
+        <p:txBody>
+          <a:bodyPr wrap="square" rtlCol="0">
+            <a:spAutoFit/>
+          </a:bodyPr>
+          <a:lstStyle/>
+          <a:p>
+            <a:r>
+              <a:rPr lang="en-CA" dirty="0"/>
+              <a:t>Filter by</a:t>
+            </a:r>
+            <a:r>
+              <a:rPr lang="es-MX" dirty="0"/>
+              <a:t>: </a:t>
+            </a:r>
+            <a:r>
+              <a:rPr lang="es-MX" sz="1600" i="1" dirty="0" err="1">
+                <a:solidFill>
+                  <a:schemeClr val="bg2">
+                    <a:lumMod val="90000"/>
+                  </a:schemeClr>
+                </a:solidFill>
+              </a:rPr>
+              <a:t>Type</a:t>
+            </a:r>
+            <a:r>
+              <a:rPr lang="es-MX" sz="1600" i="1" dirty="0">
+                <a:solidFill>
+                  <a:schemeClr val="bg2">
+                    <a:lumMod val="90000"/>
+                  </a:schemeClr>
+                </a:solidFill>
+              </a:rPr>
+              <a:t> </a:t>
+            </a:r>
+            <a:r>
+              <a:rPr lang="es-MX" sz="1600" i="1" dirty="0" err="1">
+                <a:solidFill>
+                  <a:schemeClr val="bg2">
+                    <a:lumMod val="90000"/>
+                  </a:schemeClr>
+                </a:solidFill>
+              </a:rPr>
+              <a:t>name</a:t>
+            </a:r>
+            <a:r>
+              <a:rPr lang="es-MX" sz="1600" i="1" dirty="0">
+                <a:solidFill>
+                  <a:schemeClr val="bg2">
+                    <a:lumMod val="90000"/>
+                  </a:schemeClr>
+                </a:solidFill>
+              </a:rPr>
+              <a:t> </a:t>
+            </a:r>
+            <a:r>
+              <a:rPr lang="es-MX" sz="1600" i="1" dirty="0" err="1">
+                <a:solidFill>
+                  <a:schemeClr val="bg2">
+                    <a:lumMod val="90000"/>
+                  </a:schemeClr>
+                </a:solidFill>
+              </a:rPr>
+              <a:t>of</a:t>
+            </a:r>
+            <a:r>
+              <a:rPr lang="es-MX" sz="1600" i="1" dirty="0">
+                <a:solidFill>
+                  <a:schemeClr val="bg2">
+                    <a:lumMod val="90000"/>
+                  </a:schemeClr>
+                </a:solidFill>
+              </a:rPr>
+              <a:t> </a:t>
+            </a:r>
+            <a:r>
+              <a:rPr lang="es-MX" sz="1600" i="1" dirty="0" err="1">
+                <a:solidFill>
+                  <a:schemeClr val="bg2">
+                    <a:lumMod val="90000"/>
+                  </a:schemeClr>
+                </a:solidFill>
+              </a:rPr>
+              <a:t>the</a:t>
+            </a:r>
+            <a:r>
+              <a:rPr lang="es-MX" sz="1600" i="1" dirty="0">
+                <a:solidFill>
+                  <a:schemeClr val="bg2">
+                    <a:lumMod val="90000"/>
+                  </a:schemeClr>
+                </a:solidFill>
+              </a:rPr>
+              <a:t> </a:t>
+            </a:r>
+            <a:r>
+              <a:rPr lang="es-MX" sz="1600" i="1" dirty="0" err="1">
+                <a:solidFill>
+                  <a:schemeClr val="bg2">
+                    <a:lumMod val="90000"/>
+                  </a:schemeClr>
+                </a:solidFill>
+              </a:rPr>
+              <a:t>order’s</a:t>
+            </a:r>
+            <a:r>
+              <a:rPr lang="es-MX" sz="1600" i="1" dirty="0">
+                <a:solidFill>
+                  <a:schemeClr val="bg2">
+                    <a:lumMod val="90000"/>
+                  </a:schemeClr>
+                </a:solidFill>
+              </a:rPr>
+              <a:t> </a:t>
+            </a:r>
+            <a:r>
+              <a:rPr lang="es-MX" sz="1600" i="1" dirty="0" err="1">
+                <a:solidFill>
+                  <a:schemeClr val="bg2">
+                    <a:lumMod val="90000"/>
+                  </a:schemeClr>
+                </a:solidFill>
+              </a:rPr>
+              <a:t>number</a:t>
+            </a:r>
+            <a:endParaRPr lang="en-CA" i="1" dirty="0">
+              <a:solidFill>
+                <a:schemeClr val="bg2">
+                  <a:lumMod val="90000"/>
+                </a:schemeClr>
+              </a:solidFill>
+            </a:endParaRPr>
+          </a:p>
+        </p:txBody>
+      </p:sp>
+      <p:sp>
+        <p:nvSpPr>
+          <p:cNvPr id="2" name="Title 1">
+            <a:extLst>
+              <a:ext uri="{FF2B5EF4-FFF2-40B4-BE49-F238E27FC236}">
+                <a16:creationId xmlns:a16="http://schemas.microsoft.com/office/drawing/2014/main" id="{D1F9EBEF-1F8D-439D-BFAC-1F18E2D763C8}"/>
+              </a:ext>
+            </a:extLst>
+          </p:cNvPr>
+          <p:cNvSpPr>
+            <a:spLocks noGrp="1"/>
+          </p:cNvSpPr>
+          <p:nvPr>
+            <p:ph type="title"/>
+          </p:nvPr>
+        </p:nvSpPr>
+        <p:spPr/>
+        <p:txBody>
+          <a:bodyPr/>
+          <a:lstStyle/>
+          <a:p>
+            <a:r>
+              <a:rPr lang="es-MX" dirty="0" err="1"/>
+              <a:t>Orders</a:t>
+            </a:r>
+            <a:endParaRPr lang="en-CA" dirty="0"/>
+          </a:p>
+        </p:txBody>
+      </p:sp>
+      <p:graphicFrame>
+        <p:nvGraphicFramePr>
+          <p:cNvPr id="14" name="Table 14">
+            <a:extLst>
+              <a:ext uri="{FF2B5EF4-FFF2-40B4-BE49-F238E27FC236}">
+                <a16:creationId xmlns:a16="http://schemas.microsoft.com/office/drawing/2014/main" id="{99C5EC22-CEC8-41AC-9ECC-4A78A802185A}"/>
+              </a:ext>
+            </a:extLst>
+          </p:cNvPr>
+          <p:cNvGraphicFramePr>
+            <a:graphicFrameLocks noGrp="1"/>
+          </p:cNvGraphicFramePr>
+          <p:nvPr>
+            <p:extLst>
+              <p:ext uri="{D42A27DB-BD31-4B8C-83A1-F6EECF244321}">
+                <p14:modId xmlns:p14="http://schemas.microsoft.com/office/powerpoint/2010/main" val="403368748"/>
+              </p:ext>
+            </p:extLst>
+          </p:nvPr>
+        </p:nvGraphicFramePr>
+        <p:xfrm>
+          <a:off x="1402146" y="2678802"/>
+          <a:ext cx="9029118" cy="1112520"/>
+        </p:xfrm>
+        <a:graphic>
+          <a:graphicData uri="http://schemas.openxmlformats.org/drawingml/2006/table">
+            <a:tbl>
+              <a:tblPr firstRow="1" bandRow="1">
+                <a:tableStyleId>{C083E6E3-FA7D-4D7B-A595-EF9225AFEA82}</a:tableStyleId>
+              </a:tblPr>
+              <a:tblGrid>
+                <a:gridCol w="1504853">
+                  <a:extLst>
+                    <a:ext uri="{9D8B030D-6E8A-4147-A177-3AD203B41FA5}">
+                      <a16:colId xmlns:a16="http://schemas.microsoft.com/office/drawing/2014/main" val="3803744734"/>
+                    </a:ext>
+                  </a:extLst>
+                </a:gridCol>
+                <a:gridCol w="1517134">
+                  <a:extLst>
+                    <a:ext uri="{9D8B030D-6E8A-4147-A177-3AD203B41FA5}">
+                      <a16:colId xmlns:a16="http://schemas.microsoft.com/office/drawing/2014/main" val="69724912"/>
+                    </a:ext>
+                  </a:extLst>
+                </a:gridCol>
+                <a:gridCol w="1492572">
+                  <a:extLst>
+                    <a:ext uri="{9D8B030D-6E8A-4147-A177-3AD203B41FA5}">
+                      <a16:colId xmlns:a16="http://schemas.microsoft.com/office/drawing/2014/main" val="619550644"/>
+                    </a:ext>
+                  </a:extLst>
+                </a:gridCol>
+                <a:gridCol w="1504853">
+                  <a:extLst>
+                    <a:ext uri="{9D8B030D-6E8A-4147-A177-3AD203B41FA5}">
+                      <a16:colId xmlns:a16="http://schemas.microsoft.com/office/drawing/2014/main" val="2908887710"/>
+                    </a:ext>
+                  </a:extLst>
+                </a:gridCol>
+                <a:gridCol w="1504853">
+                  <a:extLst>
+                    <a:ext uri="{9D8B030D-6E8A-4147-A177-3AD203B41FA5}">
+                      <a16:colId xmlns:a16="http://schemas.microsoft.com/office/drawing/2014/main" val="1654247768"/>
+                    </a:ext>
+                  </a:extLst>
+                </a:gridCol>
+                <a:gridCol w="1504853">
+                  <a:extLst>
+                    <a:ext uri="{9D8B030D-6E8A-4147-A177-3AD203B41FA5}">
+                      <a16:colId xmlns:a16="http://schemas.microsoft.com/office/drawing/2014/main" val="1038586552"/>
+                    </a:ext>
+                  </a:extLst>
+                </a:gridCol>
+              </a:tblGrid>
+              <a:tr h="370840">
+                <a:tc>
+                  <a:txBody>
+                    <a:bodyPr/>
+                    <a:lstStyle/>
+                    <a:p>
+                      <a:r>
+                        <a:rPr lang="es-MX" dirty="0" err="1"/>
+                        <a:t>Order</a:t>
+                      </a:r>
+                      <a:r>
+                        <a:rPr lang="es-MX" dirty="0"/>
+                        <a:t> </a:t>
+                      </a:r>
+                      <a:r>
+                        <a:rPr lang="es-MX" dirty="0" err="1"/>
+                        <a:t>Num</a:t>
+                      </a:r>
+                      <a:endParaRPr lang="en-CA" dirty="0"/>
+                    </a:p>
+                  </a:txBody>
+                  <a:tcPr/>
+                </a:tc>
+                <a:tc>
+                  <a:txBody>
+                    <a:bodyPr/>
+                    <a:lstStyle/>
+                    <a:p>
+                      <a:r>
+                        <a:rPr lang="es-MX" dirty="0" err="1"/>
+                        <a:t>Customer</a:t>
+                      </a:r>
+                      <a:endParaRPr lang="en-CA" dirty="0"/>
+                    </a:p>
+                  </a:txBody>
+                  <a:tcPr/>
+                </a:tc>
+                <a:tc>
+                  <a:txBody>
+                    <a:bodyPr/>
+                    <a:lstStyle/>
+                    <a:p>
+                      <a:r>
+                        <a:rPr lang="es-MX" dirty="0" err="1"/>
+                        <a:t>Creation</a:t>
+                      </a:r>
+                      <a:r>
+                        <a:rPr lang="es-MX" dirty="0"/>
+                        <a:t> date</a:t>
+                      </a:r>
+                      <a:endParaRPr lang="en-CA" dirty="0"/>
+                    </a:p>
+                  </a:txBody>
+                  <a:tcPr/>
+                </a:tc>
+                <a:tc>
+                  <a:txBody>
+                    <a:bodyPr/>
+                    <a:lstStyle/>
+                    <a:p>
+                      <a:r>
+                        <a:rPr lang="es-MX" dirty="0" err="1"/>
+                        <a:t>Shipping</a:t>
+                      </a:r>
+                      <a:r>
+                        <a:rPr lang="es-MX" dirty="0"/>
+                        <a:t> date</a:t>
+                      </a:r>
+                      <a:endParaRPr lang="en-CA" dirty="0"/>
+                    </a:p>
+                  </a:txBody>
+                  <a:tcPr/>
+                </a:tc>
+                <a:tc>
+                  <a:txBody>
+                    <a:bodyPr/>
+                    <a:lstStyle/>
+                    <a:p>
+                      <a:r>
+                        <a:rPr lang="es-MX" dirty="0"/>
+                        <a:t>Status</a:t>
+                      </a:r>
+                      <a:endParaRPr lang="en-CA" dirty="0"/>
+                    </a:p>
+                  </a:txBody>
+                  <a:tcPr/>
+                </a:tc>
+                <a:tc>
+                  <a:txBody>
+                    <a:bodyPr/>
+                    <a:lstStyle/>
+                    <a:p>
+                      <a:r>
+                        <a:rPr lang="es-MX" dirty="0" err="1"/>
+                        <a:t>Options</a:t>
+                      </a:r>
+                      <a:endParaRPr lang="en-CA" dirty="0"/>
+                    </a:p>
+                  </a:txBody>
+                  <a:tcPr/>
+                </a:tc>
+                <a:extLst>
+                  <a:ext uri="{0D108BD9-81ED-4DB2-BD59-A6C34878D82A}">
+                    <a16:rowId xmlns:a16="http://schemas.microsoft.com/office/drawing/2014/main" val="2828513764"/>
+                  </a:ext>
+                </a:extLst>
+              </a:tr>
+              <a:tr h="370840">
+                <a:tc>
+                  <a:txBody>
+                    <a:bodyPr/>
+                    <a:lstStyle/>
+                    <a:p>
+                      <a:r>
+                        <a:rPr lang="es-MX" dirty="0"/>
+                        <a:t>008</a:t>
+                      </a:r>
+                      <a:endParaRPr lang="en-CA" dirty="0"/>
+                    </a:p>
+                  </a:txBody>
+                  <a:tcPr/>
+                </a:tc>
+                <a:tc>
+                  <a:txBody>
+                    <a:bodyPr/>
+                    <a:lstStyle/>
+                    <a:p>
+                      <a:r>
+                        <a:rPr lang="es-MX" dirty="0" err="1"/>
+                        <a:t>Customer</a:t>
+                      </a:r>
+                      <a:r>
+                        <a:rPr lang="es-MX" dirty="0"/>
+                        <a:t> 1</a:t>
+                      </a:r>
+                      <a:endParaRPr lang="en-CA" dirty="0"/>
+                    </a:p>
+                  </a:txBody>
+                  <a:tcPr/>
+                </a:tc>
+                <a:tc>
+                  <a:txBody>
+                    <a:bodyPr/>
+                    <a:lstStyle/>
+                    <a:p>
+                      <a:r>
+                        <a:rPr lang="es-MX" dirty="0"/>
+                        <a:t>2021-03-22</a:t>
+                      </a:r>
+                      <a:endParaRPr lang="en-CA" dirty="0"/>
+                    </a:p>
+                  </a:txBody>
+                  <a:tcPr/>
+                </a:tc>
+                <a:tc>
+                  <a:txBody>
+                    <a:bodyPr/>
+                    <a:lstStyle/>
+                    <a:p>
+                      <a:pPr marL="0" marR="0" lvl="0" indent="0" algn="l" defTabSz="914400" rtl="0" eaLnBrk="1" fontAlgn="auto" latinLnBrk="0" hangingPunct="1">
+                        <a:lnSpc>
+                          <a:spcPct val="100000"/>
+                        </a:lnSpc>
+                        <a:spcBef>
+                          <a:spcPts val="0"/>
+                        </a:spcBef>
+                        <a:spcAft>
+                          <a:spcPts val="0"/>
+                        </a:spcAft>
+                        <a:buClrTx/>
+                        <a:buSzTx/>
+                        <a:buFontTx/>
+                        <a:buNone/>
+                        <a:tabLst/>
+                        <a:defRPr/>
+                      </a:pPr>
+                      <a:r>
+                        <a:rPr lang="es-MX" dirty="0"/>
+                        <a:t>2021-03-25</a:t>
+                      </a:r>
+                      <a:endParaRPr lang="en-CA" dirty="0"/>
+                    </a:p>
+                  </a:txBody>
+                  <a:tcPr/>
+                </a:tc>
+                <a:tc>
+                  <a:txBody>
+                    <a:bodyPr/>
+                    <a:lstStyle/>
+                    <a:p>
+                      <a:r>
+                        <a:rPr lang="es-MX" dirty="0" err="1"/>
+                        <a:t>Delivered</a:t>
+                      </a:r>
+                      <a:endParaRPr lang="en-CA" dirty="0"/>
+                    </a:p>
+                  </a:txBody>
+                  <a:tcPr/>
+                </a:tc>
+                <a:tc>
+                  <a:txBody>
+                    <a:bodyPr/>
+                    <a:lstStyle/>
+                    <a:p>
+                      <a:r>
+                        <a:rPr lang="es-MX" b="1" dirty="0" err="1">
+                          <a:solidFill>
+                            <a:schemeClr val="tx1"/>
+                          </a:solidFill>
+                          <a:highlight>
+                            <a:srgbClr val="FFFF00"/>
+                          </a:highlight>
+                          <a:hlinkClick r:id="rId2" action="ppaction://hlinksldjump"/>
+                        </a:rPr>
+                        <a:t>details</a:t>
+                      </a:r>
+                      <a:r>
+                        <a:rPr lang="es-MX" b="1" dirty="0"/>
+                        <a:t>/</a:t>
+                      </a:r>
+                      <a:r>
+                        <a:rPr lang="es-MX" b="1" dirty="0" err="1">
+                          <a:solidFill>
+                            <a:schemeClr val="tx1"/>
+                          </a:solidFill>
+                          <a:highlight>
+                            <a:srgbClr val="FFFF00"/>
+                          </a:highlight>
+                          <a:hlinkClick r:id="rId3" action="ppaction://hlinksldjump">
+                            <a:extLst>
+                              <a:ext uri="{A12FA001-AC4F-418D-AE19-62706E023703}">
+                                <ahyp:hlinkClr xmlns:ahyp="http://schemas.microsoft.com/office/drawing/2018/hyperlinkcolor" val="tx"/>
+                              </a:ext>
+                            </a:extLst>
+                          </a:hlinkClick>
+                        </a:rPr>
+                        <a:t>delete</a:t>
+                      </a:r>
+                      <a:endParaRPr lang="en-CA" b="1" dirty="0">
+                        <a:solidFill>
+                          <a:schemeClr val="tx1"/>
+                        </a:solidFill>
+                        <a:highlight>
+                          <a:srgbClr val="FFFF00"/>
+                        </a:highlight>
+                      </a:endParaRPr>
+                    </a:p>
+                  </a:txBody>
+                  <a:tcPr/>
+                </a:tc>
+                <a:extLst>
+                  <a:ext uri="{0D108BD9-81ED-4DB2-BD59-A6C34878D82A}">
+                    <a16:rowId xmlns:a16="http://schemas.microsoft.com/office/drawing/2014/main" val="3275628197"/>
+                  </a:ext>
+                </a:extLst>
+              </a:tr>
+              <a:tr h="370840">
+                <a:tc>
+                  <a:txBody>
+                    <a:bodyPr/>
+                    <a:lstStyle/>
+                    <a:p>
+                      <a:pPr marL="0" marR="0" lvl="0" indent="0" algn="l" defTabSz="914400" rtl="0" eaLnBrk="1" fontAlgn="auto" latinLnBrk="0" hangingPunct="1">
+                        <a:lnSpc>
+                          <a:spcPct val="100000"/>
+                        </a:lnSpc>
+                        <a:spcBef>
+                          <a:spcPts val="0"/>
+                        </a:spcBef>
+                        <a:spcAft>
+                          <a:spcPts val="0"/>
+                        </a:spcAft>
+                        <a:buClrTx/>
+                        <a:buSzTx/>
+                        <a:buFontTx/>
+                        <a:buNone/>
+                        <a:tabLst/>
+                        <a:defRPr/>
+                      </a:pPr>
+                      <a:r>
+                        <a:rPr lang="es-MX" dirty="0"/>
+                        <a:t>0011</a:t>
+                      </a:r>
+                      <a:endParaRPr lang="en-CA" dirty="0"/>
+                    </a:p>
+                  </a:txBody>
+                  <a:tcPr/>
+                </a:tc>
+                <a:tc>
+                  <a:txBody>
+                    <a:bodyPr/>
+                    <a:lstStyle/>
+                    <a:p>
+                      <a:pPr marL="0" marR="0" lvl="0" indent="0" algn="l" defTabSz="914400" rtl="0" eaLnBrk="1" fontAlgn="auto" latinLnBrk="0" hangingPunct="1">
+                        <a:lnSpc>
+                          <a:spcPct val="100000"/>
+                        </a:lnSpc>
+                        <a:spcBef>
+                          <a:spcPts val="0"/>
+                        </a:spcBef>
+                        <a:spcAft>
+                          <a:spcPts val="0"/>
+                        </a:spcAft>
+                        <a:buClrTx/>
+                        <a:buSzTx/>
+                        <a:buFontTx/>
+                        <a:buNone/>
+                        <a:tabLst/>
+                        <a:defRPr/>
+                      </a:pPr>
+                      <a:r>
+                        <a:rPr lang="es-MX" dirty="0" err="1"/>
+                        <a:t>Customer</a:t>
+                      </a:r>
+                      <a:r>
+                        <a:rPr lang="es-MX" dirty="0"/>
+                        <a:t> 1</a:t>
+                      </a:r>
+                      <a:endParaRPr lang="en-CA" dirty="0"/>
+                    </a:p>
+                  </a:txBody>
+                  <a:tcPr/>
+                </a:tc>
+                <a:tc>
+                  <a:txBody>
+                    <a:bodyPr/>
+                    <a:lstStyle/>
+                    <a:p>
+                      <a:r>
+                        <a:rPr lang="es-MX" dirty="0"/>
+                        <a:t>2021-04-02</a:t>
+                      </a:r>
+                      <a:endParaRPr lang="en-CA" dirty="0"/>
+                    </a:p>
+                  </a:txBody>
+                  <a:tcPr/>
+                </a:tc>
+                <a:tc>
+                  <a:txBody>
+                    <a:bodyPr/>
+                    <a:lstStyle/>
+                    <a:p>
+                      <a:pPr marL="0" marR="0" lvl="0" indent="0" algn="l" defTabSz="914400" rtl="0" eaLnBrk="1" fontAlgn="auto" latinLnBrk="0" hangingPunct="1">
+                        <a:lnSpc>
+                          <a:spcPct val="100000"/>
+                        </a:lnSpc>
+                        <a:spcBef>
+                          <a:spcPts val="0"/>
+                        </a:spcBef>
+                        <a:spcAft>
+                          <a:spcPts val="0"/>
+                        </a:spcAft>
+                        <a:buClrTx/>
+                        <a:buSzTx/>
+                        <a:buFontTx/>
+                        <a:buNone/>
+                        <a:tabLst/>
+                        <a:defRPr/>
+                      </a:pPr>
+                      <a:r>
+                        <a:rPr lang="es-MX" dirty="0"/>
+                        <a:t>2021-04-12</a:t>
+                      </a:r>
+                      <a:endParaRPr lang="en-CA" dirty="0"/>
+                    </a:p>
+                  </a:txBody>
+                  <a:tcPr/>
+                </a:tc>
+                <a:tc>
+                  <a:txBody>
+                    <a:bodyPr/>
+                    <a:lstStyle/>
+                    <a:p>
+                      <a:pPr marL="0" marR="0" lvl="0" indent="0" algn="l" defTabSz="914400" rtl="0" eaLnBrk="1" fontAlgn="auto" latinLnBrk="0" hangingPunct="1">
+                        <a:lnSpc>
+                          <a:spcPct val="100000"/>
+                        </a:lnSpc>
+                        <a:spcBef>
+                          <a:spcPts val="0"/>
+                        </a:spcBef>
+                        <a:spcAft>
+                          <a:spcPts val="0"/>
+                        </a:spcAft>
+                        <a:buClrTx/>
+                        <a:buSzTx/>
+                        <a:buFontTx/>
+                        <a:buNone/>
+                        <a:tabLst/>
+                        <a:defRPr/>
+                      </a:pPr>
+                      <a:r>
+                        <a:rPr lang="es-MX" dirty="0"/>
+                        <a:t>In </a:t>
+                      </a:r>
+                      <a:r>
+                        <a:rPr lang="es-MX" dirty="0" err="1"/>
+                        <a:t>process</a:t>
+                      </a:r>
+                      <a:endParaRPr lang="en-CA" dirty="0"/>
+                    </a:p>
+                  </a:txBody>
+                  <a:tcPr/>
+                </a:tc>
+                <a:tc>
+                  <a:txBody>
+                    <a:bodyPr/>
+                    <a:lstStyle/>
+                    <a:p>
+                      <a:pPr marL="0" marR="0" lvl="0" indent="0" algn="l" defTabSz="914400" rtl="0" eaLnBrk="1" fontAlgn="auto" latinLnBrk="0" hangingPunct="1">
+                        <a:lnSpc>
+                          <a:spcPct val="100000"/>
+                        </a:lnSpc>
+                        <a:spcBef>
+                          <a:spcPts val="0"/>
+                        </a:spcBef>
+                        <a:spcAft>
+                          <a:spcPts val="0"/>
+                        </a:spcAft>
+                        <a:buClrTx/>
+                        <a:buSzTx/>
+                        <a:buFontTx/>
+                        <a:buNone/>
+                        <a:tabLst/>
+                        <a:defRPr/>
+                      </a:pPr>
+                      <a:r>
+                        <a:rPr lang="es-MX" b="1" dirty="0" err="1">
+                          <a:highlight>
+                            <a:srgbClr val="FFFF00"/>
+                          </a:highlight>
+                        </a:rPr>
+                        <a:t>details</a:t>
+                      </a:r>
+                      <a:r>
+                        <a:rPr lang="es-MX" b="1" dirty="0"/>
+                        <a:t>/</a:t>
+                      </a:r>
+                      <a:r>
+                        <a:rPr lang="es-MX" b="1" dirty="0" err="1">
+                          <a:highlight>
+                            <a:srgbClr val="FFFF00"/>
+                          </a:highlight>
+                        </a:rPr>
+                        <a:t>delete</a:t>
+                      </a:r>
+                      <a:endParaRPr lang="en-CA" b="1" dirty="0">
+                        <a:highlight>
+                          <a:srgbClr val="FFFF00"/>
+                        </a:highlight>
+                      </a:endParaRPr>
+                    </a:p>
+                  </a:txBody>
+                  <a:tcPr/>
+                </a:tc>
+                <a:extLst>
+                  <a:ext uri="{0D108BD9-81ED-4DB2-BD59-A6C34878D82A}">
+                    <a16:rowId xmlns:a16="http://schemas.microsoft.com/office/drawing/2014/main" val="2482593831"/>
+                  </a:ext>
+                </a:extLst>
+              </a:tr>
+            </a:tbl>
+          </a:graphicData>
+        </a:graphic>
+      </p:graphicFrame>
+      <p:sp>
+        <p:nvSpPr>
+          <p:cNvPr id="6" name="TextBox 5">
+            <a:extLst>
+              <a:ext uri="{FF2B5EF4-FFF2-40B4-BE49-F238E27FC236}">
+                <a16:creationId xmlns:a16="http://schemas.microsoft.com/office/drawing/2014/main" id="{C6D8E12B-E451-4FEB-93EB-1FD6007310BB}"/>
+              </a:ext>
+            </a:extLst>
+          </p:cNvPr>
+          <p:cNvSpPr txBox="1"/>
+          <p:nvPr/>
+        </p:nvSpPr>
+        <p:spPr>
+          <a:xfrm>
+            <a:off x="9470571" y="5921103"/>
+            <a:ext cx="1883229" cy="369332"/>
+          </a:xfrm>
+          <a:prstGeom prst="rect">
+            <a:avLst/>
+          </a:prstGeom>
+        </p:spPr>
+        <p:style>
+          <a:lnRef idx="0">
+            <a:schemeClr val="accent6"/>
+          </a:lnRef>
+          <a:fillRef idx="3">
+            <a:schemeClr val="accent6"/>
+          </a:fillRef>
+          <a:effectRef idx="3">
+            <a:schemeClr val="accent6"/>
+          </a:effectRef>
+          <a:fontRef idx="minor">
+            <a:schemeClr val="lt1"/>
+          </a:fontRef>
+        </p:style>
+        <p:txBody>
+          <a:bodyPr wrap="square" rtlCol="0">
+            <a:spAutoFit/>
+          </a:bodyPr>
+          <a:lstStyle/>
+          <a:p>
+            <a:pPr algn="ctr"/>
+            <a:r>
+              <a:rPr lang="en-CA" b="1" dirty="0">
+                <a:solidFill>
+                  <a:schemeClr val="bg1"/>
+                </a:solidFill>
+                <a:hlinkClick r:id="rId4" action="ppaction://hlinksldjump"/>
+              </a:rPr>
+              <a:t>Menu</a:t>
+            </a:r>
+            <a:endParaRPr lang="en-CA" b="1" dirty="0">
+              <a:solidFill>
+                <a:schemeClr val="bg1"/>
+              </a:solidFill>
+            </a:endParaRPr>
+          </a:p>
+        </p:txBody>
+      </p:sp>
+    </p:spTree>
+    <p:extLst>
+      <p:ext uri="{BB962C8B-B14F-4D97-AF65-F5344CB8AC3E}">
+        <p14:creationId xmlns:p14="http://schemas.microsoft.com/office/powerpoint/2010/main" val="1520968938"/>
+      </p:ext>
+    </p:extLst>
+  </p:cSld>
+  <p:clrMapOvr>
+    <a:masterClrMapping/>
+  </p:clrMapOvr>
+</p:sld>
+</file>
+
+<file path=ppt/slides/slide9.xml><?xml version="1.0" encoding="utf-8"?>
+<p:sld xmlns:a="http://schemas.openxmlformats.org/drawingml/2006/main" xmlns:r="http://schemas.openxmlformats.org/officeDocument/2006/relationships" xmlns:p="http://schemas.openxmlformats.org/presentationml/2006/main">
+  <p:cSld>
+    <p:spTree>
+      <p:nvGrpSpPr>
+        <p:cNvPr id="1" name=""/>
+        <p:cNvGrpSpPr/>
+        <p:nvPr/>
+      </p:nvGrpSpPr>
+      <p:grpSpPr>
+        <a:xfrm>
+          <a:off x="0" y="0"/>
+          <a:ext cx="0" cy="0"/>
+          <a:chOff x="0" y="0"/>
+          <a:chExt cx="0" cy="0"/>
+        </a:xfrm>
+      </p:grpSpPr>
+      <p:sp>
+        <p:nvSpPr>
+          <p:cNvPr id="2" name="Title 1">
+            <a:extLst>
+              <a:ext uri="{FF2B5EF4-FFF2-40B4-BE49-F238E27FC236}">
+                <a16:creationId xmlns:a16="http://schemas.microsoft.com/office/drawing/2014/main" id="{5B95CCB7-2727-4BE5-88EA-6C0D4F40610D}"/>
+              </a:ext>
+            </a:extLst>
+          </p:cNvPr>
+          <p:cNvSpPr>
+            <a:spLocks noGrp="1"/>
+          </p:cNvSpPr>
+          <p:nvPr>
+            <p:ph type="title"/>
+          </p:nvPr>
+        </p:nvSpPr>
+        <p:spPr/>
+        <p:txBody>
+          <a:bodyPr/>
+          <a:lstStyle/>
+          <a:p>
+            <a:r>
+              <a:rPr lang="en-CA" dirty="0"/>
+              <a:t>Order details</a:t>
+            </a:r>
+          </a:p>
+        </p:txBody>
+      </p:sp>
+      <p:sp>
+        <p:nvSpPr>
+          <p:cNvPr id="5" name="TextBox 4">
+            <a:extLst>
+              <a:ext uri="{FF2B5EF4-FFF2-40B4-BE49-F238E27FC236}">
+                <a16:creationId xmlns:a16="http://schemas.microsoft.com/office/drawing/2014/main" id="{A81F8C7E-9158-442A-8572-3C81FED71733}"/>
+              </a:ext>
+            </a:extLst>
+          </p:cNvPr>
+          <p:cNvSpPr txBox="1"/>
+          <p:nvPr/>
+        </p:nvSpPr>
+        <p:spPr>
+          <a:xfrm>
+            <a:off x="838200" y="1690688"/>
+            <a:ext cx="3408218" cy="369332"/>
+          </a:xfrm>
+          <a:prstGeom prst="rect">
+            <a:avLst/>
+          </a:prstGeom>
+          <a:noFill/>
+        </p:spPr>
+        <p:txBody>
+          <a:bodyPr wrap="square" rtlCol="0">
+            <a:spAutoFit/>
+          </a:bodyPr>
+          <a:lstStyle/>
+          <a:p>
+            <a:r>
+              <a:rPr lang="es-MX" dirty="0" err="1"/>
+              <a:t>Customer</a:t>
+            </a:r>
+            <a:r>
+              <a:rPr lang="es-MX" dirty="0"/>
+              <a:t>:  </a:t>
+            </a:r>
+            <a:r>
+              <a:rPr lang="es-MX" i="1" dirty="0"/>
+              <a:t>Customer 1</a:t>
+            </a:r>
+            <a:endParaRPr lang="en-CA" sz="1600" i="1" dirty="0"/>
+          </a:p>
+        </p:txBody>
+      </p:sp>
+      <p:sp>
+        <p:nvSpPr>
+          <p:cNvPr id="7" name="TextBox 6">
+            <a:extLst>
+              <a:ext uri="{FF2B5EF4-FFF2-40B4-BE49-F238E27FC236}">
+                <a16:creationId xmlns:a16="http://schemas.microsoft.com/office/drawing/2014/main" id="{353F22D7-3247-4C71-8FF7-AAA67DA0543B}"/>
+              </a:ext>
+            </a:extLst>
+          </p:cNvPr>
+          <p:cNvSpPr txBox="1"/>
+          <p:nvPr/>
+        </p:nvSpPr>
+        <p:spPr>
+          <a:xfrm>
+            <a:off x="7945582" y="1690688"/>
+            <a:ext cx="3408218" cy="369332"/>
+          </a:xfrm>
+          <a:prstGeom prst="rect">
+            <a:avLst/>
+          </a:prstGeom>
+          <a:noFill/>
+        </p:spPr>
+        <p:txBody>
+          <a:bodyPr wrap="square" rtlCol="0">
+            <a:spAutoFit/>
+          </a:bodyPr>
+          <a:lstStyle/>
+          <a:p>
+            <a:r>
+              <a:rPr lang="es-MX" dirty="0" err="1"/>
+              <a:t>Shipping</a:t>
+            </a:r>
+            <a:r>
+              <a:rPr lang="es-MX" dirty="0"/>
+              <a:t> Date:  </a:t>
+            </a:r>
+            <a:r>
+              <a:rPr lang="es-MX" i="1" dirty="0"/>
+              <a:t>2021-03-25</a:t>
+            </a:r>
+            <a:endParaRPr lang="en-CA" sz="1600" i="1" dirty="0"/>
+          </a:p>
+        </p:txBody>
+      </p:sp>
+      <p:sp>
+        <p:nvSpPr>
+          <p:cNvPr id="8" name="TextBox 7">
+            <a:extLst>
+              <a:ext uri="{FF2B5EF4-FFF2-40B4-BE49-F238E27FC236}">
+                <a16:creationId xmlns:a16="http://schemas.microsoft.com/office/drawing/2014/main" id="{986DA4C3-5410-4C8E-89CB-60D54A48EB03}"/>
+              </a:ext>
+            </a:extLst>
+          </p:cNvPr>
+          <p:cNvSpPr txBox="1"/>
+          <p:nvPr/>
+        </p:nvSpPr>
+        <p:spPr>
+          <a:xfrm>
+            <a:off x="4246418" y="1690688"/>
+            <a:ext cx="3408218" cy="369332"/>
+          </a:xfrm>
+          <a:prstGeom prst="rect">
+            <a:avLst/>
+          </a:prstGeom>
+          <a:noFill/>
+        </p:spPr>
+        <p:txBody>
+          <a:bodyPr wrap="square" rtlCol="0">
+            <a:spAutoFit/>
+          </a:bodyPr>
+          <a:lstStyle/>
+          <a:p>
+            <a:r>
+              <a:rPr lang="es-MX" dirty="0" err="1"/>
+              <a:t>Order</a:t>
+            </a:r>
+            <a:r>
+              <a:rPr lang="es-MX" dirty="0"/>
+              <a:t> Date: 2021-03-22  </a:t>
+            </a:r>
+            <a:endParaRPr lang="en-CA" sz="1600" i="1" dirty="0"/>
+          </a:p>
+        </p:txBody>
+      </p:sp>
+      <p:sp>
+        <p:nvSpPr>
+          <p:cNvPr id="9" name="TextBox 8">
+            <a:extLst>
+              <a:ext uri="{FF2B5EF4-FFF2-40B4-BE49-F238E27FC236}">
+                <a16:creationId xmlns:a16="http://schemas.microsoft.com/office/drawing/2014/main" id="{9EE57CFE-CD75-47F4-AF6E-5D2B4BB99DC3}"/>
+              </a:ext>
+            </a:extLst>
+          </p:cNvPr>
+          <p:cNvSpPr txBox="1"/>
+          <p:nvPr/>
+        </p:nvSpPr>
+        <p:spPr>
+          <a:xfrm>
+            <a:off x="7945582" y="767671"/>
+            <a:ext cx="3408218" cy="461665"/>
+          </a:xfrm>
+          <a:prstGeom prst="rect">
+            <a:avLst/>
+          </a:prstGeom>
+          <a:noFill/>
+        </p:spPr>
+        <p:txBody>
+          <a:bodyPr wrap="square" rtlCol="0">
+            <a:spAutoFit/>
+          </a:bodyPr>
+          <a:lstStyle/>
+          <a:p>
+            <a:r>
+              <a:rPr lang="es-MX" sz="2400" b="1" i="1" dirty="0"/>
+              <a:t>In </a:t>
+            </a:r>
+            <a:r>
+              <a:rPr lang="es-MX" sz="2400" b="1" i="1" dirty="0" err="1"/>
+              <a:t>Process</a:t>
+            </a:r>
+            <a:endParaRPr lang="en-CA" sz="2400" b="1" i="1" dirty="0"/>
+          </a:p>
+        </p:txBody>
+      </p:sp>
+      <p:graphicFrame>
+        <p:nvGraphicFramePr>
+          <p:cNvPr id="10" name="Table 10">
+            <a:extLst>
+              <a:ext uri="{FF2B5EF4-FFF2-40B4-BE49-F238E27FC236}">
+                <a16:creationId xmlns:a16="http://schemas.microsoft.com/office/drawing/2014/main" id="{7FD3E0D8-64B6-4BC4-AAD3-B3BBAD6521C2}"/>
+              </a:ext>
+            </a:extLst>
+          </p:cNvPr>
+          <p:cNvGraphicFramePr>
+            <a:graphicFrameLocks noGrp="1"/>
+          </p:cNvGraphicFramePr>
+          <p:nvPr>
+            <p:extLst>
+              <p:ext uri="{D42A27DB-BD31-4B8C-83A1-F6EECF244321}">
+                <p14:modId xmlns:p14="http://schemas.microsoft.com/office/powerpoint/2010/main" val="1768100339"/>
+              </p:ext>
+            </p:extLst>
+          </p:nvPr>
+        </p:nvGraphicFramePr>
+        <p:xfrm>
+          <a:off x="838199" y="3016251"/>
+          <a:ext cx="8927238" cy="1483360"/>
+        </p:xfrm>
+        <a:graphic>
+          <a:graphicData uri="http://schemas.openxmlformats.org/drawingml/2006/table">
+            <a:tbl>
+              <a:tblPr firstRow="1" bandRow="1">
+                <a:tableStyleId>{8799B23B-EC83-4686-B30A-512413B5E67A}</a:tableStyleId>
+              </a:tblPr>
+              <a:tblGrid>
+                <a:gridCol w="1487873">
+                  <a:extLst>
+                    <a:ext uri="{9D8B030D-6E8A-4147-A177-3AD203B41FA5}">
+                      <a16:colId xmlns:a16="http://schemas.microsoft.com/office/drawing/2014/main" val="711192465"/>
+                    </a:ext>
+                  </a:extLst>
+                </a:gridCol>
+                <a:gridCol w="1487873">
+                  <a:extLst>
+                    <a:ext uri="{9D8B030D-6E8A-4147-A177-3AD203B41FA5}">
+                      <a16:colId xmlns:a16="http://schemas.microsoft.com/office/drawing/2014/main" val="2808645070"/>
+                    </a:ext>
+                  </a:extLst>
+                </a:gridCol>
+                <a:gridCol w="1487873">
+                  <a:extLst>
+                    <a:ext uri="{9D8B030D-6E8A-4147-A177-3AD203B41FA5}">
+                      <a16:colId xmlns:a16="http://schemas.microsoft.com/office/drawing/2014/main" val="4160065900"/>
+                    </a:ext>
+                  </a:extLst>
+                </a:gridCol>
+                <a:gridCol w="1487873">
+                  <a:extLst>
+                    <a:ext uri="{9D8B030D-6E8A-4147-A177-3AD203B41FA5}">
+                      <a16:colId xmlns:a16="http://schemas.microsoft.com/office/drawing/2014/main" val="2365871339"/>
+                    </a:ext>
+                  </a:extLst>
+                </a:gridCol>
+                <a:gridCol w="1487873">
+                  <a:extLst>
+                    <a:ext uri="{9D8B030D-6E8A-4147-A177-3AD203B41FA5}">
+                      <a16:colId xmlns:a16="http://schemas.microsoft.com/office/drawing/2014/main" val="2747038200"/>
+                    </a:ext>
+                  </a:extLst>
+                </a:gridCol>
+                <a:gridCol w="1487873">
+                  <a:extLst>
+                    <a:ext uri="{9D8B030D-6E8A-4147-A177-3AD203B41FA5}">
+                      <a16:colId xmlns:a16="http://schemas.microsoft.com/office/drawing/2014/main" val="41612697"/>
+                    </a:ext>
+                  </a:extLst>
+                </a:gridCol>
+              </a:tblGrid>
+              <a:tr h="370840">
+                <a:tc>
+                  <a:txBody>
+                    <a:bodyPr/>
+                    <a:lstStyle/>
+                    <a:p>
+                      <a:r>
+                        <a:rPr lang="en-CA" dirty="0"/>
+                        <a:t>Product Type</a:t>
+                      </a:r>
+                    </a:p>
+                  </a:txBody>
+                  <a:tcPr/>
+                </a:tc>
+                <a:tc>
+                  <a:txBody>
+                    <a:bodyPr/>
+                    <a:lstStyle/>
+                    <a:p>
+                      <a:r>
+                        <a:rPr lang="en-CA" dirty="0"/>
+                        <a:t>Product Size</a:t>
+                      </a:r>
+                    </a:p>
+                  </a:txBody>
+                  <a:tcPr/>
+                </a:tc>
+                <a:tc>
+                  <a:txBody>
+                    <a:bodyPr/>
+                    <a:lstStyle/>
+                    <a:p>
+                      <a:r>
+                        <a:rPr lang="en-CA" dirty="0"/>
+                        <a:t>Units</a:t>
+                      </a:r>
+                    </a:p>
+                  </a:txBody>
+                  <a:tcPr/>
+                </a:tc>
+                <a:tc>
+                  <a:txBody>
+                    <a:bodyPr/>
+                    <a:lstStyle/>
+                    <a:p>
+                      <a:r>
+                        <a:rPr lang="en-CA" dirty="0"/>
+                        <a:t>Presentation</a:t>
+                      </a:r>
+                    </a:p>
+                  </a:txBody>
+                  <a:tcPr/>
+                </a:tc>
+                <a:tc>
+                  <a:txBody>
+                    <a:bodyPr/>
+                    <a:lstStyle/>
+                    <a:p>
+                      <a:r>
+                        <a:rPr lang="en-CA" dirty="0"/>
+                        <a:t>Quantity</a:t>
+                      </a:r>
+                    </a:p>
+                  </a:txBody>
+                  <a:tcPr/>
+                </a:tc>
+                <a:tc>
+                  <a:txBody>
+                    <a:bodyPr/>
+                    <a:lstStyle/>
+                    <a:p>
+                      <a:r>
+                        <a:rPr lang="en-CA" dirty="0"/>
+                        <a:t>Options</a:t>
+                      </a:r>
+                    </a:p>
+                  </a:txBody>
+                  <a:tcPr/>
+                </a:tc>
+                <a:extLst>
+                  <a:ext uri="{0D108BD9-81ED-4DB2-BD59-A6C34878D82A}">
+                    <a16:rowId xmlns:a16="http://schemas.microsoft.com/office/drawing/2014/main" val="3870561573"/>
+                  </a:ext>
+                </a:extLst>
+              </a:tr>
+              <a:tr h="370840">
+                <a:tc>
+                  <a:txBody>
+                    <a:bodyPr/>
+                    <a:lstStyle/>
+                    <a:p>
+                      <a:r>
+                        <a:rPr lang="en-CA" dirty="0"/>
+                        <a:t>Alfalfa</a:t>
+                      </a:r>
+                    </a:p>
+                  </a:txBody>
+                  <a:tcPr/>
+                </a:tc>
+                <a:tc>
+                  <a:txBody>
+                    <a:bodyPr/>
+                    <a:lstStyle/>
+                    <a:p>
+                      <a:r>
+                        <a:rPr lang="en-CA" dirty="0"/>
+                        <a:t>100</a:t>
+                      </a:r>
+                    </a:p>
+                  </a:txBody>
+                  <a:tcPr/>
+                </a:tc>
+                <a:tc>
+                  <a:txBody>
+                    <a:bodyPr/>
+                    <a:lstStyle/>
+                    <a:p>
+                      <a:r>
+                        <a:rPr lang="en-CA" dirty="0"/>
+                        <a:t>grams</a:t>
+                      </a:r>
+                    </a:p>
+                  </a:txBody>
+                  <a:tcPr/>
+                </a:tc>
+                <a:tc>
+                  <a:txBody>
+                    <a:bodyPr/>
+                    <a:lstStyle/>
+                    <a:p>
+                      <a:r>
+                        <a:rPr lang="en-CA" dirty="0"/>
+                        <a:t>dozens</a:t>
+                      </a:r>
+                    </a:p>
+                  </a:txBody>
+                  <a:tcPr/>
+                </a:tc>
+                <a:tc>
+                  <a:txBody>
+                    <a:bodyPr/>
+                    <a:lstStyle/>
+                    <a:p>
+                      <a:r>
+                        <a:rPr lang="en-CA" dirty="0"/>
+                        <a:t>108</a:t>
+                      </a:r>
+                    </a:p>
+                  </a:txBody>
+                  <a:tcPr/>
+                </a:tc>
+                <a:tc>
+                  <a:txBody>
+                    <a:bodyPr/>
+                    <a:lstStyle/>
+                    <a:p>
+                      <a:r>
+                        <a:rPr lang="en-CA" dirty="0">
+                          <a:highlight>
+                            <a:srgbClr val="FFFF00"/>
+                          </a:highlight>
+                        </a:rPr>
+                        <a:t>edit/delete</a:t>
+                      </a:r>
+                    </a:p>
+                  </a:txBody>
+                  <a:tcPr/>
+                </a:tc>
+                <a:extLst>
+                  <a:ext uri="{0D108BD9-81ED-4DB2-BD59-A6C34878D82A}">
+                    <a16:rowId xmlns:a16="http://schemas.microsoft.com/office/drawing/2014/main" val="522916194"/>
+                  </a:ext>
+                </a:extLst>
+              </a:tr>
+              <a:tr h="370840">
+                <a:tc>
+                  <a:txBody>
+                    <a:bodyPr/>
+                    <a:lstStyle/>
+                    <a:p>
+                      <a:r>
+                        <a:rPr lang="en-CA" dirty="0"/>
+                        <a:t>Alfalfa</a:t>
+                      </a:r>
+                    </a:p>
+                  </a:txBody>
+                  <a:tcPr/>
+                </a:tc>
+                <a:tc>
+                  <a:txBody>
+                    <a:bodyPr/>
+                    <a:lstStyle/>
+                    <a:p>
+                      <a:r>
+                        <a:rPr lang="en-CA" dirty="0"/>
+                        <a:t>2</a:t>
+                      </a:r>
+                    </a:p>
+                  </a:txBody>
+                  <a:tcPr/>
+                </a:tc>
+                <a:tc>
+                  <a:txBody>
+                    <a:bodyPr/>
+                    <a:lstStyle/>
+                    <a:p>
+                      <a:r>
+                        <a:rPr lang="en-CA" dirty="0"/>
+                        <a:t>pounds</a:t>
+                      </a:r>
+                    </a:p>
+                  </a:txBody>
+                  <a:tcPr/>
+                </a:tc>
+                <a:tc>
+                  <a:txBody>
+                    <a:bodyPr/>
+                    <a:lstStyle/>
+                    <a:p>
+                      <a:r>
+                        <a:rPr lang="en-CA" dirty="0"/>
+                        <a:t>Individual</a:t>
+                      </a:r>
+                    </a:p>
+                  </a:txBody>
+                  <a:tcPr/>
+                </a:tc>
+                <a:tc>
+                  <a:txBody>
+                    <a:bodyPr/>
+                    <a:lstStyle/>
+                    <a:p>
+                      <a:r>
+                        <a:rPr lang="en-CA" dirty="0"/>
+                        <a:t>20</a:t>
+                      </a:r>
+                    </a:p>
+                  </a:txBody>
+                  <a:tcPr/>
+                </a:tc>
+                <a:tc>
+                  <a:txBody>
+                    <a:bodyPr/>
+                    <a:lstStyle/>
+                    <a:p>
+                      <a:pPr marL="0" marR="0" lvl="0" indent="0" algn="l" defTabSz="914400" rtl="0" eaLnBrk="1" fontAlgn="auto" latinLnBrk="0" hangingPunct="1">
+                        <a:lnSpc>
+                          <a:spcPct val="100000"/>
+                        </a:lnSpc>
+                        <a:spcBef>
+                          <a:spcPts val="0"/>
+                        </a:spcBef>
+                        <a:spcAft>
+                          <a:spcPts val="0"/>
+                        </a:spcAft>
+                        <a:buClrTx/>
+                        <a:buSzTx/>
+                        <a:buFontTx/>
+                        <a:buNone/>
+                        <a:tabLst/>
+                        <a:defRPr/>
+                      </a:pPr>
+                      <a:r>
+                        <a:rPr lang="en-CA" dirty="0">
+                          <a:highlight>
+                            <a:srgbClr val="FFFF00"/>
+                          </a:highlight>
+                        </a:rPr>
+                        <a:t>edit/delete</a:t>
+                      </a:r>
+                    </a:p>
+                  </a:txBody>
+                  <a:tcPr/>
+                </a:tc>
+                <a:extLst>
+                  <a:ext uri="{0D108BD9-81ED-4DB2-BD59-A6C34878D82A}">
+                    <a16:rowId xmlns:a16="http://schemas.microsoft.com/office/drawing/2014/main" val="2257054209"/>
+                  </a:ext>
+                </a:extLst>
+              </a:tr>
+              <a:tr h="370840">
+                <a:tc>
+                  <a:txBody>
+                    <a:bodyPr/>
+                    <a:lstStyle/>
+                    <a:p>
+                      <a:r>
+                        <a:rPr lang="en-CA" dirty="0"/>
+                        <a:t>Broccoli</a:t>
+                      </a:r>
+                    </a:p>
+                  </a:txBody>
+                  <a:tcPr/>
+                </a:tc>
+                <a:tc>
+                  <a:txBody>
+                    <a:bodyPr/>
+                    <a:lstStyle/>
+                    <a:p>
+                      <a:r>
+                        <a:rPr lang="en-CA" dirty="0"/>
+                        <a:t>100</a:t>
+                      </a:r>
+                    </a:p>
+                  </a:txBody>
+                  <a:tcPr/>
+                </a:tc>
+                <a:tc>
+                  <a:txBody>
+                    <a:bodyPr/>
+                    <a:lstStyle/>
+                    <a:p>
+                      <a:r>
+                        <a:rPr lang="en-CA" dirty="0"/>
+                        <a:t>grams</a:t>
+                      </a:r>
+                    </a:p>
+                  </a:txBody>
+                  <a:tcPr/>
+                </a:tc>
+                <a:tc>
+                  <a:txBody>
+                    <a:bodyPr/>
+                    <a:lstStyle/>
+                    <a:p>
+                      <a:r>
+                        <a:rPr lang="en-CA" dirty="0"/>
+                        <a:t>6 Packs</a:t>
+                      </a:r>
+                    </a:p>
+                  </a:txBody>
+                  <a:tcPr/>
+                </a:tc>
+                <a:tc>
+                  <a:txBody>
+                    <a:bodyPr/>
+                    <a:lstStyle/>
+                    <a:p>
+                      <a:r>
+                        <a:rPr lang="en-CA" dirty="0"/>
+                        <a:t>89</a:t>
+                      </a:r>
+                    </a:p>
+                  </a:txBody>
+                  <a:tcPr/>
+                </a:tc>
+                <a:tc>
+                  <a:txBody>
+                    <a:bodyPr/>
+                    <a:lstStyle/>
+                    <a:p>
+                      <a:pPr marL="0" marR="0" lvl="0" indent="0" algn="l" defTabSz="914400" rtl="0" eaLnBrk="1" fontAlgn="auto" latinLnBrk="0" hangingPunct="1">
+                        <a:lnSpc>
+                          <a:spcPct val="100000"/>
+                        </a:lnSpc>
+                        <a:spcBef>
+                          <a:spcPts val="0"/>
+                        </a:spcBef>
+                        <a:spcAft>
+                          <a:spcPts val="0"/>
+                        </a:spcAft>
+                        <a:buClrTx/>
+                        <a:buSzTx/>
+                        <a:buFontTx/>
+                        <a:buNone/>
+                        <a:tabLst/>
+                        <a:defRPr/>
+                      </a:pPr>
+                      <a:r>
+                        <a:rPr lang="en-CA" dirty="0">
+                          <a:highlight>
+                            <a:srgbClr val="FFFF00"/>
+                          </a:highlight>
+                        </a:rPr>
+                        <a:t>edit/delete</a:t>
+                      </a:r>
+                    </a:p>
+                  </a:txBody>
+                  <a:tcPr/>
+                </a:tc>
+                <a:extLst>
+                  <a:ext uri="{0D108BD9-81ED-4DB2-BD59-A6C34878D82A}">
+                    <a16:rowId xmlns:a16="http://schemas.microsoft.com/office/drawing/2014/main" val="380386704"/>
+                  </a:ext>
+                </a:extLst>
+              </a:tr>
+            </a:tbl>
+          </a:graphicData>
+        </a:graphic>
+      </p:graphicFrame>
+      <p:sp>
+        <p:nvSpPr>
+          <p:cNvPr id="12" name="TextBox 11">
+            <a:extLst>
+              <a:ext uri="{FF2B5EF4-FFF2-40B4-BE49-F238E27FC236}">
+                <a16:creationId xmlns:a16="http://schemas.microsoft.com/office/drawing/2014/main" id="{DBAA9E49-79EC-4CF0-A0B1-3AD5693A930E}"/>
+              </a:ext>
+            </a:extLst>
+          </p:cNvPr>
+          <p:cNvSpPr txBox="1"/>
+          <p:nvPr/>
+        </p:nvSpPr>
+        <p:spPr>
+          <a:xfrm>
+            <a:off x="9470571" y="5921103"/>
+            <a:ext cx="1883229" cy="369332"/>
+          </a:xfrm>
+          <a:prstGeom prst="rect">
+            <a:avLst/>
+          </a:prstGeom>
+        </p:spPr>
+        <p:style>
+          <a:lnRef idx="0">
+            <a:schemeClr val="accent6"/>
+          </a:lnRef>
+          <a:fillRef idx="3">
+            <a:schemeClr val="accent6"/>
+          </a:fillRef>
+          <a:effectRef idx="3">
+            <a:schemeClr val="accent6"/>
+          </a:effectRef>
+          <a:fontRef idx="minor">
+            <a:schemeClr val="lt1"/>
+          </a:fontRef>
+        </p:style>
+        <p:txBody>
+          <a:bodyPr wrap="square" rtlCol="0">
+            <a:spAutoFit/>
+          </a:bodyPr>
+          <a:lstStyle/>
+          <a:p>
+            <a:pPr algn="ctr"/>
+            <a:r>
+              <a:rPr lang="en-CA" b="1" dirty="0">
+                <a:solidFill>
+                  <a:schemeClr val="bg1"/>
+                </a:solidFill>
+                <a:hlinkClick r:id="rId2" action="ppaction://hlinksldjump"/>
+              </a:rPr>
+              <a:t>Menu</a:t>
+            </a:r>
+            <a:endParaRPr lang="en-CA" b="1" dirty="0">
+              <a:solidFill>
+                <a:schemeClr val="bg1"/>
+              </a:solidFill>
+            </a:endParaRPr>
+          </a:p>
+        </p:txBody>
+      </p:sp>
+    </p:spTree>
+    <p:extLst>
+      <p:ext uri="{BB962C8B-B14F-4D97-AF65-F5344CB8AC3E}">
+        <p14:creationId xmlns:p14="http://schemas.microsoft.com/office/powerpoint/2010/main" val="823357591"/>
       </p:ext>
     </p:extLst>
   </p:cSld>
